--- a/Boomberman/doku/Präsentation_Bomberman_Joey_Nico.pptx
+++ b/Boomberman/doku/Präsentation_Bomberman_Joey_Nico.pptx
@@ -2,17 +2,19 @@
 <file path=ppt/presentation.xml><?xml version="1.0" encoding="utf-8"?>
 <p:presentation xmlns:a="http://schemas.openxmlformats.org/drawingml/2006/main" xmlns:r="http://schemas.openxmlformats.org/officeDocument/2006/relationships" xmlns:p="http://schemas.openxmlformats.org/presentationml/2006/main" saveSubsetFonts="1">
   <p:sldMasterIdLst>
-    <p:sldMasterId id="2147483648" r:id="rId1"/>
+    <p:sldMasterId id="2147483678" r:id="rId1"/>
   </p:sldMasterIdLst>
   <p:sldIdLst>
     <p:sldId id="256" r:id="rId2"/>
     <p:sldId id="259" r:id="rId3"/>
-    <p:sldId id="263" r:id="rId4"/>
-    <p:sldId id="261" r:id="rId5"/>
-    <p:sldId id="262" r:id="rId6"/>
-    <p:sldId id="260" r:id="rId7"/>
-    <p:sldId id="258" r:id="rId8"/>
-    <p:sldId id="257" r:id="rId9"/>
+    <p:sldId id="265" r:id="rId4"/>
+    <p:sldId id="263" r:id="rId5"/>
+    <p:sldId id="264" r:id="rId6"/>
+    <p:sldId id="261" r:id="rId7"/>
+    <p:sldId id="262" r:id="rId8"/>
+    <p:sldId id="260" r:id="rId9"/>
+    <p:sldId id="258" r:id="rId10"/>
+    <p:sldId id="257" r:id="rId11"/>
   </p:sldIdLst>
   <p:sldSz cx="12192000" cy="6858000"/>
   <p:notesSz cx="6858000" cy="9144000"/>
@@ -250,7 +252,7 @@
           <a:p>
             <a:fld id="{E323867B-1409-441C-9AC5-005E1D95C49C}" type="datetimeFigureOut">
               <a:rPr lang="de-CH" smtClean="0"/>
-              <a:t>23.02.2018</a:t>
+              <a:t>27.02.2018</a:t>
             </a:fld>
             <a:endParaRPr lang="de-CH"/>
           </a:p>
@@ -301,7 +303,7 @@
     </p:spTree>
     <p:extLst>
       <p:ext uri="{BB962C8B-B14F-4D97-AF65-F5344CB8AC3E}">
-        <p14:creationId xmlns:p14="http://schemas.microsoft.com/office/powerpoint/2010/main" val="70417366"/>
+        <p14:creationId xmlns:p14="http://schemas.microsoft.com/office/powerpoint/2010/main" val="4117635699"/>
       </p:ext>
     </p:extLst>
   </p:cSld>
@@ -420,7 +422,7 @@
           <a:p>
             <a:fld id="{E323867B-1409-441C-9AC5-005E1D95C49C}" type="datetimeFigureOut">
               <a:rPr lang="de-CH" smtClean="0"/>
-              <a:t>23.02.2018</a:t>
+              <a:t>27.02.2018</a:t>
             </a:fld>
             <a:endParaRPr lang="de-CH"/>
           </a:p>
@@ -471,7 +473,7 @@
     </p:spTree>
     <p:extLst>
       <p:ext uri="{BB962C8B-B14F-4D97-AF65-F5344CB8AC3E}">
-        <p14:creationId xmlns:p14="http://schemas.microsoft.com/office/powerpoint/2010/main" val="763556644"/>
+        <p14:creationId xmlns:p14="http://schemas.microsoft.com/office/powerpoint/2010/main" val="288517354"/>
       </p:ext>
     </p:extLst>
   </p:cSld>
@@ -600,7 +602,7 @@
           <a:p>
             <a:fld id="{E323867B-1409-441C-9AC5-005E1D95C49C}" type="datetimeFigureOut">
               <a:rPr lang="de-CH" smtClean="0"/>
-              <a:t>23.02.2018</a:t>
+              <a:t>27.02.2018</a:t>
             </a:fld>
             <a:endParaRPr lang="de-CH"/>
           </a:p>
@@ -651,7 +653,7 @@
     </p:spTree>
     <p:extLst>
       <p:ext uri="{BB962C8B-B14F-4D97-AF65-F5344CB8AC3E}">
-        <p14:creationId xmlns:p14="http://schemas.microsoft.com/office/powerpoint/2010/main" val="3587038939"/>
+        <p14:creationId xmlns:p14="http://schemas.microsoft.com/office/powerpoint/2010/main" val="3443853947"/>
       </p:ext>
     </p:extLst>
   </p:cSld>
@@ -770,7 +772,7 @@
           <a:p>
             <a:fld id="{E323867B-1409-441C-9AC5-005E1D95C49C}" type="datetimeFigureOut">
               <a:rPr lang="de-CH" smtClean="0"/>
-              <a:t>23.02.2018</a:t>
+              <a:t>27.02.2018</a:t>
             </a:fld>
             <a:endParaRPr lang="de-CH"/>
           </a:p>
@@ -821,7 +823,7 @@
     </p:spTree>
     <p:extLst>
       <p:ext uri="{BB962C8B-B14F-4D97-AF65-F5344CB8AC3E}">
-        <p14:creationId xmlns:p14="http://schemas.microsoft.com/office/powerpoint/2010/main" val="3942858164"/>
+        <p14:creationId xmlns:p14="http://schemas.microsoft.com/office/powerpoint/2010/main" val="3716597952"/>
       </p:ext>
     </p:extLst>
   </p:cSld>
@@ -1016,7 +1018,7 @@
           <a:p>
             <a:fld id="{E323867B-1409-441C-9AC5-005E1D95C49C}" type="datetimeFigureOut">
               <a:rPr lang="de-CH" smtClean="0"/>
-              <a:t>23.02.2018</a:t>
+              <a:t>27.02.2018</a:t>
             </a:fld>
             <a:endParaRPr lang="de-CH"/>
           </a:p>
@@ -1067,7 +1069,7 @@
     </p:spTree>
     <p:extLst>
       <p:ext uri="{BB962C8B-B14F-4D97-AF65-F5344CB8AC3E}">
-        <p14:creationId xmlns:p14="http://schemas.microsoft.com/office/powerpoint/2010/main" val="2778490729"/>
+        <p14:creationId xmlns:p14="http://schemas.microsoft.com/office/powerpoint/2010/main" val="532657724"/>
       </p:ext>
     </p:extLst>
   </p:cSld>
@@ -1248,7 +1250,7 @@
           <a:p>
             <a:fld id="{E323867B-1409-441C-9AC5-005E1D95C49C}" type="datetimeFigureOut">
               <a:rPr lang="de-CH" smtClean="0"/>
-              <a:t>23.02.2018</a:t>
+              <a:t>27.02.2018</a:t>
             </a:fld>
             <a:endParaRPr lang="de-CH"/>
           </a:p>
@@ -1299,7 +1301,7 @@
     </p:spTree>
     <p:extLst>
       <p:ext uri="{BB962C8B-B14F-4D97-AF65-F5344CB8AC3E}">
-        <p14:creationId xmlns:p14="http://schemas.microsoft.com/office/powerpoint/2010/main" val="3117510561"/>
+        <p14:creationId xmlns:p14="http://schemas.microsoft.com/office/powerpoint/2010/main" val="4277567678"/>
       </p:ext>
     </p:extLst>
   </p:cSld>
@@ -1615,7 +1617,7 @@
           <a:p>
             <a:fld id="{E323867B-1409-441C-9AC5-005E1D95C49C}" type="datetimeFigureOut">
               <a:rPr lang="de-CH" smtClean="0"/>
-              <a:t>23.02.2018</a:t>
+              <a:t>27.02.2018</a:t>
             </a:fld>
             <a:endParaRPr lang="de-CH"/>
           </a:p>
@@ -1666,7 +1668,7 @@
     </p:spTree>
     <p:extLst>
       <p:ext uri="{BB962C8B-B14F-4D97-AF65-F5344CB8AC3E}">
-        <p14:creationId xmlns:p14="http://schemas.microsoft.com/office/powerpoint/2010/main" val="136573951"/>
+        <p14:creationId xmlns:p14="http://schemas.microsoft.com/office/powerpoint/2010/main" val="1281809589"/>
       </p:ext>
     </p:extLst>
   </p:cSld>
@@ -1733,7 +1735,7 @@
           <a:p>
             <a:fld id="{E323867B-1409-441C-9AC5-005E1D95C49C}" type="datetimeFigureOut">
               <a:rPr lang="de-CH" smtClean="0"/>
-              <a:t>23.02.2018</a:t>
+              <a:t>27.02.2018</a:t>
             </a:fld>
             <a:endParaRPr lang="de-CH"/>
           </a:p>
@@ -1784,7 +1786,7 @@
     </p:spTree>
     <p:extLst>
       <p:ext uri="{BB962C8B-B14F-4D97-AF65-F5344CB8AC3E}">
-        <p14:creationId xmlns:p14="http://schemas.microsoft.com/office/powerpoint/2010/main" val="239474876"/>
+        <p14:creationId xmlns:p14="http://schemas.microsoft.com/office/powerpoint/2010/main" val="3930608135"/>
       </p:ext>
     </p:extLst>
   </p:cSld>
@@ -1828,7 +1830,7 @@
           <a:p>
             <a:fld id="{E323867B-1409-441C-9AC5-005E1D95C49C}" type="datetimeFigureOut">
               <a:rPr lang="de-CH" smtClean="0"/>
-              <a:t>23.02.2018</a:t>
+              <a:t>27.02.2018</a:t>
             </a:fld>
             <a:endParaRPr lang="de-CH"/>
           </a:p>
@@ -1879,7 +1881,7 @@
     </p:spTree>
     <p:extLst>
       <p:ext uri="{BB962C8B-B14F-4D97-AF65-F5344CB8AC3E}">
-        <p14:creationId xmlns:p14="http://schemas.microsoft.com/office/powerpoint/2010/main" val="147153087"/>
+        <p14:creationId xmlns:p14="http://schemas.microsoft.com/office/powerpoint/2010/main" val="24135187"/>
       </p:ext>
     </p:extLst>
   </p:cSld>
@@ -2105,7 +2107,7 @@
           <a:p>
             <a:fld id="{E323867B-1409-441C-9AC5-005E1D95C49C}" type="datetimeFigureOut">
               <a:rPr lang="de-CH" smtClean="0"/>
-              <a:t>23.02.2018</a:t>
+              <a:t>27.02.2018</a:t>
             </a:fld>
             <a:endParaRPr lang="de-CH"/>
           </a:p>
@@ -2156,7 +2158,7 @@
     </p:spTree>
     <p:extLst>
       <p:ext uri="{BB962C8B-B14F-4D97-AF65-F5344CB8AC3E}">
-        <p14:creationId xmlns:p14="http://schemas.microsoft.com/office/powerpoint/2010/main" val="3994995409"/>
+        <p14:creationId xmlns:p14="http://schemas.microsoft.com/office/powerpoint/2010/main" val="3658885393"/>
       </p:ext>
     </p:extLst>
   </p:cSld>
@@ -2358,7 +2360,7 @@
           <a:p>
             <a:fld id="{E323867B-1409-441C-9AC5-005E1D95C49C}" type="datetimeFigureOut">
               <a:rPr lang="de-CH" smtClean="0"/>
-              <a:t>23.02.2018</a:t>
+              <a:t>27.02.2018</a:t>
             </a:fld>
             <a:endParaRPr lang="de-CH"/>
           </a:p>
@@ -2409,7 +2411,7 @@
     </p:spTree>
     <p:extLst>
       <p:ext uri="{BB962C8B-B14F-4D97-AF65-F5344CB8AC3E}">
-        <p14:creationId xmlns:p14="http://schemas.microsoft.com/office/powerpoint/2010/main" val="3725915187"/>
+        <p14:creationId xmlns:p14="http://schemas.microsoft.com/office/powerpoint/2010/main" val="529318989"/>
       </p:ext>
     </p:extLst>
   </p:cSld>
@@ -2423,9 +2425,24 @@
 <p:sldMaster xmlns:a="http://schemas.openxmlformats.org/drawingml/2006/main" xmlns:r="http://schemas.openxmlformats.org/officeDocument/2006/relationships" xmlns:p="http://schemas.openxmlformats.org/presentationml/2006/main">
   <p:cSld>
     <p:bg>
-      <p:bgRef idx="1001">
-        <a:schemeClr val="bg1"/>
-      </p:bgRef>
+      <p:bgPr>
+        <a:gradFill flip="none" rotWithShape="1">
+          <a:gsLst>
+            <a:gs pos="100000">
+              <a:schemeClr val="accent1">
+                <a:lumMod val="40000"/>
+                <a:lumOff val="60000"/>
+              </a:schemeClr>
+            </a:gs>
+            <a:gs pos="0">
+              <a:schemeClr val="bg1"/>
+            </a:gs>
+          </a:gsLst>
+          <a:lin ang="5400000" scaled="0"/>
+          <a:tileRect/>
+        </a:gradFill>
+        <a:effectLst/>
+      </p:bgPr>
     </p:bg>
     <p:spTree>
       <p:nvGrpSpPr>
@@ -2571,7 +2588,7 @@
           <a:p>
             <a:fld id="{E323867B-1409-441C-9AC5-005E1D95C49C}" type="datetimeFigureOut">
               <a:rPr lang="de-CH" smtClean="0"/>
-              <a:t>23.02.2018</a:t>
+              <a:t>27.02.2018</a:t>
             </a:fld>
             <a:endParaRPr lang="de-CH"/>
           </a:p>
@@ -2658,23 +2675,23 @@
     </p:spTree>
     <p:extLst>
       <p:ext uri="{BB962C8B-B14F-4D97-AF65-F5344CB8AC3E}">
-        <p14:creationId xmlns:p14="http://schemas.microsoft.com/office/powerpoint/2010/main" val="366558247"/>
+        <p14:creationId xmlns:p14="http://schemas.microsoft.com/office/powerpoint/2010/main" val="2188853496"/>
       </p:ext>
     </p:extLst>
   </p:cSld>
   <p:clrMap bg1="lt1" tx1="dk1" bg2="lt2" tx2="dk2" accent1="accent1" accent2="accent2" accent3="accent3" accent4="accent4" accent5="accent5" accent6="accent6" hlink="hlink" folHlink="folHlink"/>
   <p:sldLayoutIdLst>
-    <p:sldLayoutId id="2147483649" r:id="rId1"/>
-    <p:sldLayoutId id="2147483650" r:id="rId2"/>
-    <p:sldLayoutId id="2147483651" r:id="rId3"/>
-    <p:sldLayoutId id="2147483652" r:id="rId4"/>
-    <p:sldLayoutId id="2147483653" r:id="rId5"/>
-    <p:sldLayoutId id="2147483654" r:id="rId6"/>
-    <p:sldLayoutId id="2147483655" r:id="rId7"/>
-    <p:sldLayoutId id="2147483656" r:id="rId8"/>
-    <p:sldLayoutId id="2147483657" r:id="rId9"/>
-    <p:sldLayoutId id="2147483658" r:id="rId10"/>
-    <p:sldLayoutId id="2147483659" r:id="rId11"/>
+    <p:sldLayoutId id="2147483679" r:id="rId1"/>
+    <p:sldLayoutId id="2147483680" r:id="rId2"/>
+    <p:sldLayoutId id="2147483681" r:id="rId3"/>
+    <p:sldLayoutId id="2147483682" r:id="rId4"/>
+    <p:sldLayoutId id="2147483683" r:id="rId5"/>
+    <p:sldLayoutId id="2147483684" r:id="rId6"/>
+    <p:sldLayoutId id="2147483685" r:id="rId7"/>
+    <p:sldLayoutId id="2147483686" r:id="rId8"/>
+    <p:sldLayoutId id="2147483687" r:id="rId9"/>
+    <p:sldLayoutId id="2147483688" r:id="rId10"/>
+    <p:sldLayoutId id="2147483689" r:id="rId11"/>
   </p:sldLayoutIdLst>
   <p:txStyles>
     <p:titleStyle>
@@ -2964,9 +2981,20 @@
   <p:cSld>
     <p:bg>
       <p:bgPr>
-        <a:solidFill>
-          <a:schemeClr val="bg1"/>
-        </a:solidFill>
+        <a:gradFill flip="none" rotWithShape="1">
+          <a:gsLst>
+            <a:gs pos="100000">
+              <a:schemeClr val="bg2">
+                <a:lumMod val="75000"/>
+              </a:schemeClr>
+            </a:gs>
+            <a:gs pos="0">
+              <a:schemeClr val="bg1"/>
+            </a:gs>
+          </a:gsLst>
+          <a:lin ang="5400000" scaled="0"/>
+          <a:tileRect/>
+        </a:gradFill>
         <a:effectLst/>
       </p:bgPr>
     </p:bg>
@@ -2996,19 +3024,46 @@
         </p:nvSpPr>
         <p:spPr>
           <a:xfrm>
-            <a:off x="476084" y="3955774"/>
+            <a:off x="647534" y="4174849"/>
             <a:ext cx="5043777" cy="1124572"/>
           </a:xfrm>
         </p:spPr>
         <p:txBody>
-          <a:bodyPr/>
+          <a:bodyPr>
+            <a:normAutofit fontScale="90000"/>
+          </a:bodyPr>
           <a:lstStyle/>
           <a:p>
-            <a:r>
-              <a:rPr lang="de-CH" b="1" dirty="0" err="1" smtClean="0">
+            <a:pPr algn="l"/>
+            <a:r>
+              <a:rPr lang="de-CH" sz="6700" b="1" dirty="0" smtClean="0">
+                <a:effectLst>
+                  <a:outerShdw blurRad="50800" dist="38100" dir="2700000" algn="tl" rotWithShape="0">
+                    <a:prstClr val="black">
+                      <a:alpha val="40000"/>
+                    </a:prstClr>
+                  </a:outerShdw>
+                </a:effectLst>
                 <a:latin typeface="Lora" panose="00000500000000000000" pitchFamily="2" charset="0"/>
               </a:rPr>
               <a:t>Bomberman</a:t>
+            </a:r>
+            <a:r>
+              <a:rPr lang="de-CH" b="1" dirty="0" smtClean="0">
+                <a:latin typeface="Lora" panose="00000500000000000000" pitchFamily="2" charset="0"/>
+              </a:rPr>
+              <a:t/>
+            </a:r>
+            <a:br>
+              <a:rPr lang="de-CH" b="1" dirty="0" smtClean="0">
+                <a:latin typeface="Lora" panose="00000500000000000000" pitchFamily="2" charset="0"/>
+              </a:rPr>
+            </a:br>
+            <a:r>
+              <a:rPr lang="de-CH" sz="1800" b="1" dirty="0" smtClean="0">
+                <a:latin typeface="Lora" panose="00000500000000000000" pitchFamily="2" charset="0"/>
+              </a:rPr>
+              <a:t>Projekt von Nico und Joey</a:t>
             </a:r>
             <a:endParaRPr lang="de-CH" b="1" dirty="0">
               <a:latin typeface="Lora" panose="00000500000000000000" pitchFamily="2" charset="0"/>
@@ -3234,6 +3289,9 @@
   <p:clrMapOvr>
     <a:masterClrMapping/>
   </p:clrMapOvr>
+  <p:transition spd="slow">
+    <p:wipe/>
+  </p:transition>
   <p:timing>
     <p:tnLst>
       <p:par>
@@ -3244,9 +3302,28 @@
 </p:sld>
 </file>
 
-<file path=ppt/slides/slide2.xml><?xml version="1.0" encoding="utf-8"?>
+<file path=ppt/slides/slide10.xml><?xml version="1.0" encoding="utf-8"?>
 <p:sld xmlns:a="http://schemas.openxmlformats.org/drawingml/2006/main" xmlns:r="http://schemas.openxmlformats.org/officeDocument/2006/relationships" xmlns:p="http://schemas.openxmlformats.org/presentationml/2006/main">
   <p:cSld>
+    <p:bg>
+      <p:bgPr>
+        <a:gradFill flip="none" rotWithShape="1">
+          <a:gsLst>
+            <a:gs pos="100000">
+              <a:schemeClr val="bg2">
+                <a:lumMod val="75000"/>
+              </a:schemeClr>
+            </a:gs>
+            <a:gs pos="8000">
+              <a:schemeClr val="bg1"/>
+            </a:gs>
+          </a:gsLst>
+          <a:lin ang="5400000" scaled="0"/>
+          <a:tileRect/>
+        </a:gradFill>
+        <a:effectLst/>
+      </p:bgPr>
+    </p:bg>
     <p:spTree>
       <p:nvGrpSpPr>
         <p:cNvPr id="1" name=""/>
@@ -3263,112 +3340,37 @@
       </p:grpSpPr>
       <p:sp>
         <p:nvSpPr>
-          <p:cNvPr id="2" name="Titel 1"/>
-          <p:cNvSpPr>
-            <a:spLocks noGrp="1"/>
-          </p:cNvSpPr>
-          <p:nvPr>
-            <p:ph type="title"/>
-          </p:nvPr>
-        </p:nvSpPr>
-        <p:spPr/>
-        <p:txBody>
-          <a:bodyPr/>
+          <p:cNvPr id="3" name="Inhaltsplatzhalter 2"/>
+          <p:cNvSpPr>
+            <a:spLocks noGrp="1"/>
+          </p:cNvSpPr>
+          <p:nvPr>
+            <p:ph idx="1"/>
+          </p:nvPr>
+        </p:nvSpPr>
+        <p:spPr>
+          <a:xfrm>
+            <a:off x="838200" y="3123998"/>
+            <a:ext cx="10515600" cy="610004"/>
+          </a:xfrm>
+        </p:spPr>
+        <p:txBody>
+          <a:bodyPr>
+            <a:normAutofit/>
+          </a:bodyPr>
           <a:lstStyle/>
           <a:p>
-            <a:pPr algn="ctr"/>
-            <a:r>
-              <a:rPr lang="de-CH" b="1" dirty="0" smtClean="0">
+            <a:pPr marL="0" indent="0" algn="ctr">
+              <a:buNone/>
+            </a:pPr>
+            <a:r>
+              <a:rPr lang="de-CH" sz="3600" b="1" dirty="0" smtClean="0">
                 <a:latin typeface="Lora" panose="00000500000000000000" pitchFamily="2" charset="0"/>
               </a:rPr>
-              <a:t>Inhaltsverzeichnis</a:t>
-            </a:r>
-            <a:endParaRPr lang="de-CH" b="1" dirty="0">
+              <a:t>Vielen Dank für Ihre Aufmerksamkeit</a:t>
+            </a:r>
+            <a:endParaRPr lang="de-CH" sz="3600" b="1" dirty="0">
               <a:latin typeface="Lora" panose="00000500000000000000" pitchFamily="2" charset="0"/>
-            </a:endParaRPr>
-          </a:p>
-        </p:txBody>
-      </p:sp>
-      <p:sp>
-        <p:nvSpPr>
-          <p:cNvPr id="3" name="Inhaltsplatzhalter 2"/>
-          <p:cNvSpPr>
-            <a:spLocks noGrp="1"/>
-          </p:cNvSpPr>
-          <p:nvPr>
-            <p:ph idx="1"/>
-          </p:nvPr>
-        </p:nvSpPr>
-        <p:spPr/>
-        <p:txBody>
-          <a:bodyPr/>
-          <a:lstStyle/>
-          <a:p>
-            <a:r>
-              <a:rPr lang="de-CH" dirty="0" smtClean="0">
-                <a:latin typeface="Titillium" panose="00000500000000000000" pitchFamily="50" charset="0"/>
-                <a:cs typeface="Arial" panose="020B0604020202020204" pitchFamily="34" charset="0"/>
-              </a:rPr>
-              <a:t>Vorgehensweise</a:t>
-            </a:r>
-          </a:p>
-          <a:p>
-            <a:r>
-              <a:rPr lang="de-CH" dirty="0" smtClean="0">
-                <a:latin typeface="Titillium" panose="00000500000000000000" pitchFamily="50" charset="0"/>
-                <a:cs typeface="Arial" panose="020B0604020202020204" pitchFamily="34" charset="0"/>
-              </a:rPr>
-              <a:t>Testfälle und Testresultate</a:t>
-            </a:r>
-          </a:p>
-          <a:p>
-            <a:r>
-              <a:rPr lang="de-CH" dirty="0" smtClean="0">
-                <a:latin typeface="Titillium" panose="00000500000000000000" pitchFamily="50" charset="0"/>
-                <a:cs typeface="Arial" panose="020B0604020202020204" pitchFamily="34" charset="0"/>
-              </a:rPr>
-              <a:t>«</a:t>
-            </a:r>
-            <a:r>
-              <a:rPr lang="de-CH" dirty="0" err="1" smtClean="0">
-                <a:latin typeface="Titillium" panose="00000500000000000000" pitchFamily="50" charset="0"/>
-                <a:cs typeface="Arial" panose="020B0604020202020204" pitchFamily="34" charset="0"/>
-              </a:rPr>
-              <a:t>Lessons</a:t>
-            </a:r>
-            <a:r>
-              <a:rPr lang="de-CH" dirty="0" smtClean="0">
-                <a:latin typeface="Titillium" panose="00000500000000000000" pitchFamily="50" charset="0"/>
-                <a:cs typeface="Arial" panose="020B0604020202020204" pitchFamily="34" charset="0"/>
-              </a:rPr>
-              <a:t> </a:t>
-            </a:r>
-            <a:r>
-              <a:rPr lang="de-CH" dirty="0" err="1" smtClean="0">
-                <a:latin typeface="Titillium" panose="00000500000000000000" pitchFamily="50" charset="0"/>
-                <a:cs typeface="Arial" panose="020B0604020202020204" pitchFamily="34" charset="0"/>
-              </a:rPr>
-              <a:t>learned</a:t>
-            </a:r>
-            <a:r>
-              <a:rPr lang="de-CH" dirty="0" smtClean="0">
-                <a:latin typeface="Titillium" panose="00000500000000000000" pitchFamily="50" charset="0"/>
-                <a:cs typeface="Arial" panose="020B0604020202020204" pitchFamily="34" charset="0"/>
-              </a:rPr>
-              <a:t>»</a:t>
-            </a:r>
-          </a:p>
-          <a:p>
-            <a:r>
-              <a:rPr lang="de-CH" dirty="0" smtClean="0">
-                <a:latin typeface="Titillium" panose="00000500000000000000" pitchFamily="50" charset="0"/>
-                <a:cs typeface="Arial" panose="020B0604020202020204" pitchFamily="34" charset="0"/>
-              </a:rPr>
-              <a:t>Live – Demo </a:t>
-            </a:r>
-            <a:endParaRPr lang="de-CH" dirty="0">
-              <a:latin typeface="Titillium" panose="00000500000000000000" pitchFamily="50" charset="0"/>
-              <a:cs typeface="Arial" panose="020B0604020202020204" pitchFamily="34" charset="0"/>
             </a:endParaRPr>
           </a:p>
         </p:txBody>
@@ -3376,13 +3378,16 @@
     </p:spTree>
     <p:extLst>
       <p:ext uri="{BB962C8B-B14F-4D97-AF65-F5344CB8AC3E}">
-        <p14:creationId xmlns:p14="http://schemas.microsoft.com/office/powerpoint/2010/main" val="1897950068"/>
+        <p14:creationId xmlns:p14="http://schemas.microsoft.com/office/powerpoint/2010/main" val="2120696673"/>
       </p:ext>
     </p:extLst>
   </p:cSld>
   <p:clrMapOvr>
     <a:masterClrMapping/>
   </p:clrMapOvr>
+  <p:transition spd="slow">
+    <p:wipe/>
+  </p:transition>
   <p:timing>
     <p:tnLst>
       <p:par>
@@ -3393,9 +3398,26 @@
 </p:sld>
 </file>
 
-<file path=ppt/slides/slide3.xml><?xml version="1.0" encoding="utf-8"?>
+<file path=ppt/slides/slide2.xml><?xml version="1.0" encoding="utf-8"?>
 <p:sld xmlns:a="http://schemas.openxmlformats.org/drawingml/2006/main" xmlns:r="http://schemas.openxmlformats.org/officeDocument/2006/relationships" xmlns:p="http://schemas.openxmlformats.org/presentationml/2006/main">
   <p:cSld>
+    <p:bg>
+      <p:bgPr>
+        <a:gradFill flip="none" rotWithShape="1">
+          <a:gsLst>
+            <a:gs pos="0">
+              <a:schemeClr val="bg1"/>
+            </a:gs>
+            <a:gs pos="0">
+              <a:schemeClr val="bg1"/>
+            </a:gs>
+          </a:gsLst>
+          <a:lin ang="5400000" scaled="0"/>
+          <a:tileRect/>
+        </a:gradFill>
+        <a:effectLst/>
+      </p:bgPr>
+    </p:bg>
     <p:spTree>
       <p:nvGrpSpPr>
         <p:cNvPr id="1" name=""/>
@@ -3430,7 +3452,7 @@
               <a:rPr lang="de-CH" b="1" dirty="0" smtClean="0">
                 <a:latin typeface="Lora" panose="00000500000000000000" pitchFamily="2" charset="0"/>
               </a:rPr>
-              <a:t>Vorgehensweise</a:t>
+              <a:t>Inhaltsverzeichnis</a:t>
             </a:r>
             <a:endParaRPr lang="de-CH" b="1" dirty="0">
               <a:latin typeface="Lora" panose="00000500000000000000" pitchFamily="2" charset="0"/>
@@ -3438,6 +3460,166 @@
           </a:p>
         </p:txBody>
       </p:sp>
+      <p:grpSp>
+        <p:nvGrpSpPr>
+          <p:cNvPr id="8" name="Gruppieren 7"/>
+          <p:cNvGrpSpPr/>
+          <p:nvPr/>
+        </p:nvGrpSpPr>
+        <p:grpSpPr>
+          <a:xfrm>
+            <a:off x="-880822" y="-634354"/>
+            <a:ext cx="2547696" cy="2454415"/>
+            <a:chOff x="-880822" y="-634354"/>
+            <a:chExt cx="2547696" cy="2454415"/>
+          </a:xfrm>
+        </p:grpSpPr>
+        <p:sp>
+          <p:nvSpPr>
+            <p:cNvPr id="4" name="Rechteck 3"/>
+            <p:cNvSpPr/>
+            <p:nvPr/>
+          </p:nvSpPr>
+          <p:spPr>
+            <a:xfrm rot="739975">
+              <a:off x="314324" y="-332581"/>
+              <a:ext cx="1352550" cy="1095375"/>
+            </a:xfrm>
+            <a:prstGeom prst="rect">
+              <a:avLst/>
+            </a:prstGeom>
+            <a:solidFill>
+              <a:schemeClr val="bg2">
+                <a:lumMod val="90000"/>
+              </a:schemeClr>
+            </a:solidFill>
+            <a:ln>
+              <a:noFill/>
+            </a:ln>
+          </p:spPr>
+          <p:style>
+            <a:lnRef idx="2">
+              <a:schemeClr val="accent1">
+                <a:shade val="50000"/>
+              </a:schemeClr>
+            </a:lnRef>
+            <a:fillRef idx="1">
+              <a:schemeClr val="accent1"/>
+            </a:fillRef>
+            <a:effectRef idx="0">
+              <a:schemeClr val="accent1"/>
+            </a:effectRef>
+            <a:fontRef idx="minor">
+              <a:schemeClr val="lt1"/>
+            </a:fontRef>
+          </p:style>
+          <p:txBody>
+            <a:bodyPr rtlCol="0" anchor="ctr"/>
+            <a:lstStyle/>
+            <a:p>
+              <a:pPr algn="ctr"/>
+              <a:endParaRPr lang="de-CH"/>
+            </a:p>
+          </p:txBody>
+        </p:sp>
+        <p:sp>
+          <p:nvSpPr>
+            <p:cNvPr id="5" name="Rechteck 4"/>
+            <p:cNvSpPr/>
+            <p:nvPr/>
+          </p:nvSpPr>
+          <p:spPr>
+            <a:xfrm rot="12449877">
+              <a:off x="-880822" y="-634354"/>
+              <a:ext cx="1962150" cy="1619548"/>
+            </a:xfrm>
+            <a:prstGeom prst="rect">
+              <a:avLst/>
+            </a:prstGeom>
+            <a:solidFill>
+              <a:schemeClr val="tx1">
+                <a:lumMod val="65000"/>
+                <a:lumOff val="35000"/>
+              </a:schemeClr>
+            </a:solidFill>
+            <a:ln>
+              <a:noFill/>
+            </a:ln>
+          </p:spPr>
+          <p:style>
+            <a:lnRef idx="2">
+              <a:schemeClr val="accent1">
+                <a:shade val="50000"/>
+              </a:schemeClr>
+            </a:lnRef>
+            <a:fillRef idx="1">
+              <a:schemeClr val="accent1"/>
+            </a:fillRef>
+            <a:effectRef idx="0">
+              <a:schemeClr val="accent1"/>
+            </a:effectRef>
+            <a:fontRef idx="minor">
+              <a:schemeClr val="lt1"/>
+            </a:fontRef>
+          </p:style>
+          <p:txBody>
+            <a:bodyPr rtlCol="0" anchor="ctr"/>
+            <a:lstStyle/>
+            <a:p>
+              <a:pPr algn="ctr"/>
+              <a:endParaRPr lang="de-CH"/>
+            </a:p>
+          </p:txBody>
+        </p:sp>
+        <p:sp>
+          <p:nvSpPr>
+            <p:cNvPr id="6" name="Rechteck 5"/>
+            <p:cNvSpPr/>
+            <p:nvPr/>
+          </p:nvSpPr>
+          <p:spPr>
+            <a:xfrm rot="657888">
+              <a:off x="-317086" y="-265914"/>
+              <a:ext cx="811059" cy="2085975"/>
+            </a:xfrm>
+            <a:prstGeom prst="rect">
+              <a:avLst/>
+            </a:prstGeom>
+            <a:solidFill>
+              <a:schemeClr val="bg1">
+                <a:lumMod val="65000"/>
+              </a:schemeClr>
+            </a:solidFill>
+            <a:ln>
+              <a:noFill/>
+            </a:ln>
+          </p:spPr>
+          <p:style>
+            <a:lnRef idx="2">
+              <a:schemeClr val="accent1">
+                <a:shade val="50000"/>
+              </a:schemeClr>
+            </a:lnRef>
+            <a:fillRef idx="1">
+              <a:schemeClr val="accent1"/>
+            </a:fillRef>
+            <a:effectRef idx="0">
+              <a:schemeClr val="accent1"/>
+            </a:effectRef>
+            <a:fontRef idx="minor">
+              <a:schemeClr val="lt1"/>
+            </a:fontRef>
+          </p:style>
+          <p:txBody>
+            <a:bodyPr rtlCol="0" anchor="ctr"/>
+            <a:lstStyle/>
+            <a:p>
+              <a:pPr algn="ctr"/>
+              <a:endParaRPr lang="de-CH"/>
+            </a:p>
+          </p:txBody>
+        </p:sp>
+      </p:grpSp>
       <p:sp>
         <p:nvSpPr>
           <p:cNvPr id="3" name="Inhaltsplatzhalter 2"/>
@@ -3448,33 +3630,278 @@
             <p:ph idx="1"/>
           </p:nvPr>
         </p:nvSpPr>
-        <p:spPr/>
+        <p:spPr>
+          <a:xfrm>
+            <a:off x="1768250" y="1948829"/>
+            <a:ext cx="10515600" cy="4351338"/>
+          </a:xfrm>
+        </p:spPr>
         <p:txBody>
           <a:bodyPr/>
           <a:lstStyle/>
           <a:p>
+            <a:r>
+              <a:rPr lang="de-CH" dirty="0" smtClean="0">
+                <a:latin typeface="Titillium" panose="00000500000000000000" pitchFamily="50" charset="0"/>
+                <a:cs typeface="Arial" panose="020B0604020202020204" pitchFamily="34" charset="0"/>
+              </a:rPr>
+              <a:t>Planung und Erreichung der Ziele</a:t>
+            </a:r>
+          </a:p>
+          <a:p>
+            <a:r>
+              <a:rPr lang="de-CH" dirty="0" smtClean="0">
+                <a:latin typeface="Titillium" panose="00000500000000000000" pitchFamily="50" charset="0"/>
+                <a:cs typeface="Arial" panose="020B0604020202020204" pitchFamily="34" charset="0"/>
+              </a:rPr>
+              <a:t>Vorgehensweise</a:t>
+            </a:r>
+          </a:p>
+          <a:p>
+            <a:r>
+              <a:rPr lang="de-CH" dirty="0" smtClean="0">
+                <a:latin typeface="Titillium" panose="00000500000000000000" pitchFamily="50" charset="0"/>
+                <a:cs typeface="Arial" panose="020B0604020202020204" pitchFamily="34" charset="0"/>
+              </a:rPr>
+              <a:t>Besondere Codestelle</a:t>
+            </a:r>
+          </a:p>
+          <a:p>
+            <a:r>
+              <a:rPr lang="de-CH" dirty="0" smtClean="0">
+                <a:latin typeface="Titillium" panose="00000500000000000000" pitchFamily="50" charset="0"/>
+                <a:cs typeface="Arial" panose="020B0604020202020204" pitchFamily="34" charset="0"/>
+              </a:rPr>
+              <a:t>Testfälle und Testresultate</a:t>
+            </a:r>
+          </a:p>
+          <a:p>
+            <a:r>
+              <a:rPr lang="de-CH" dirty="0" smtClean="0">
+                <a:latin typeface="Titillium" panose="00000500000000000000" pitchFamily="50" charset="0"/>
+                <a:cs typeface="Arial" panose="020B0604020202020204" pitchFamily="34" charset="0"/>
+              </a:rPr>
+              <a:t>«Lessons learned» / Fazit</a:t>
+            </a:r>
+          </a:p>
+          <a:p>
+            <a:r>
+              <a:rPr lang="de-CH" dirty="0" smtClean="0">
+                <a:latin typeface="Titillium" panose="00000500000000000000" pitchFamily="50" charset="0"/>
+                <a:cs typeface="Arial" panose="020B0604020202020204" pitchFamily="34" charset="0"/>
+              </a:rPr>
+              <a:t>Live – Demo </a:t>
+            </a:r>
             <a:endParaRPr lang="de-CH" dirty="0">
               <a:latin typeface="Titillium" panose="00000500000000000000" pitchFamily="50" charset="0"/>
+              <a:cs typeface="Arial" panose="020B0604020202020204" pitchFamily="34" charset="0"/>
             </a:endParaRPr>
           </a:p>
         </p:txBody>
       </p:sp>
+      <p:grpSp>
+        <p:nvGrpSpPr>
+          <p:cNvPr id="9" name="Gruppieren 8"/>
+          <p:cNvGrpSpPr/>
+          <p:nvPr/>
+        </p:nvGrpSpPr>
+        <p:grpSpPr>
+          <a:xfrm rot="10800000">
+            <a:off x="10525556" y="4854435"/>
+            <a:ext cx="2547696" cy="2454415"/>
+            <a:chOff x="-880822" y="-634354"/>
+            <a:chExt cx="2547696" cy="2454415"/>
+          </a:xfrm>
+        </p:grpSpPr>
+        <p:sp>
+          <p:nvSpPr>
+            <p:cNvPr id="10" name="Rechteck 9"/>
+            <p:cNvSpPr/>
+            <p:nvPr/>
+          </p:nvSpPr>
+          <p:spPr>
+            <a:xfrm rot="739975">
+              <a:off x="314324" y="-332581"/>
+              <a:ext cx="1352550" cy="1095375"/>
+            </a:xfrm>
+            <a:prstGeom prst="rect">
+              <a:avLst/>
+            </a:prstGeom>
+            <a:solidFill>
+              <a:schemeClr val="bg2">
+                <a:lumMod val="90000"/>
+              </a:schemeClr>
+            </a:solidFill>
+            <a:ln>
+              <a:noFill/>
+            </a:ln>
+          </p:spPr>
+          <p:style>
+            <a:lnRef idx="2">
+              <a:schemeClr val="accent1">
+                <a:shade val="50000"/>
+              </a:schemeClr>
+            </a:lnRef>
+            <a:fillRef idx="1">
+              <a:schemeClr val="accent1"/>
+            </a:fillRef>
+            <a:effectRef idx="0">
+              <a:schemeClr val="accent1"/>
+            </a:effectRef>
+            <a:fontRef idx="minor">
+              <a:schemeClr val="lt1"/>
+            </a:fontRef>
+          </p:style>
+          <p:txBody>
+            <a:bodyPr rtlCol="0" anchor="ctr"/>
+            <a:lstStyle/>
+            <a:p>
+              <a:pPr algn="ctr"/>
+              <a:endParaRPr lang="de-CH"/>
+            </a:p>
+          </p:txBody>
+        </p:sp>
+        <p:sp>
+          <p:nvSpPr>
+            <p:cNvPr id="11" name="Rechteck 10"/>
+            <p:cNvSpPr/>
+            <p:nvPr/>
+          </p:nvSpPr>
+          <p:spPr>
+            <a:xfrm rot="12449877">
+              <a:off x="-880822" y="-634354"/>
+              <a:ext cx="1962150" cy="1619548"/>
+            </a:xfrm>
+            <a:prstGeom prst="rect">
+              <a:avLst/>
+            </a:prstGeom>
+            <a:solidFill>
+              <a:schemeClr val="tx1">
+                <a:lumMod val="65000"/>
+                <a:lumOff val="35000"/>
+              </a:schemeClr>
+            </a:solidFill>
+            <a:ln>
+              <a:noFill/>
+            </a:ln>
+          </p:spPr>
+          <p:style>
+            <a:lnRef idx="2">
+              <a:schemeClr val="accent1">
+                <a:shade val="50000"/>
+              </a:schemeClr>
+            </a:lnRef>
+            <a:fillRef idx="1">
+              <a:schemeClr val="accent1"/>
+            </a:fillRef>
+            <a:effectRef idx="0">
+              <a:schemeClr val="accent1"/>
+            </a:effectRef>
+            <a:fontRef idx="minor">
+              <a:schemeClr val="lt1"/>
+            </a:fontRef>
+          </p:style>
+          <p:txBody>
+            <a:bodyPr rtlCol="0" anchor="ctr"/>
+            <a:lstStyle/>
+            <a:p>
+              <a:pPr algn="ctr"/>
+              <a:endParaRPr lang="de-CH"/>
+            </a:p>
+          </p:txBody>
+        </p:sp>
+        <p:sp>
+          <p:nvSpPr>
+            <p:cNvPr id="12" name="Rechteck 11"/>
+            <p:cNvSpPr/>
+            <p:nvPr/>
+          </p:nvSpPr>
+          <p:spPr>
+            <a:xfrm rot="657888">
+              <a:off x="-317086" y="-265914"/>
+              <a:ext cx="811059" cy="2085975"/>
+            </a:xfrm>
+            <a:prstGeom prst="rect">
+              <a:avLst/>
+            </a:prstGeom>
+            <a:solidFill>
+              <a:schemeClr val="bg1">
+                <a:lumMod val="65000"/>
+              </a:schemeClr>
+            </a:solidFill>
+            <a:ln>
+              <a:noFill/>
+            </a:ln>
+          </p:spPr>
+          <p:style>
+            <a:lnRef idx="2">
+              <a:schemeClr val="accent1">
+                <a:shade val="50000"/>
+              </a:schemeClr>
+            </a:lnRef>
+            <a:fillRef idx="1">
+              <a:schemeClr val="accent1"/>
+            </a:fillRef>
+            <a:effectRef idx="0">
+              <a:schemeClr val="accent1"/>
+            </a:effectRef>
+            <a:fontRef idx="minor">
+              <a:schemeClr val="lt1"/>
+            </a:fontRef>
+          </p:style>
+          <p:txBody>
+            <a:bodyPr rtlCol="0" anchor="ctr"/>
+            <a:lstStyle/>
+            <a:p>
+              <a:pPr algn="ctr"/>
+              <a:endParaRPr lang="de-CH"/>
+            </a:p>
+          </p:txBody>
+        </p:sp>
+      </p:grpSp>
     </p:spTree>
     <p:extLst>
       <p:ext uri="{BB962C8B-B14F-4D97-AF65-F5344CB8AC3E}">
-        <p14:creationId xmlns:p14="http://schemas.microsoft.com/office/powerpoint/2010/main" val="1018224634"/>
+        <p14:creationId xmlns:p14="http://schemas.microsoft.com/office/powerpoint/2010/main" val="1897950068"/>
       </p:ext>
     </p:extLst>
   </p:cSld>
   <p:clrMapOvr>
     <a:masterClrMapping/>
   </p:clrMapOvr>
+  <p:transition spd="slow">
+    <p:wipe/>
+  </p:transition>
+  <p:timing>
+    <p:tnLst>
+      <p:par>
+        <p:cTn id="1" dur="indefinite" restart="never" nodeType="tmRoot"/>
+      </p:par>
+    </p:tnLst>
+  </p:timing>
 </p:sld>
 </file>
 
-<file path=ppt/slides/slide4.xml><?xml version="1.0" encoding="utf-8"?>
+<file path=ppt/slides/slide3.xml><?xml version="1.0" encoding="utf-8"?>
 <p:sld xmlns:a="http://schemas.openxmlformats.org/drawingml/2006/main" xmlns:r="http://schemas.openxmlformats.org/officeDocument/2006/relationships" xmlns:p="http://schemas.openxmlformats.org/presentationml/2006/main">
   <p:cSld>
+    <p:bg>
+      <p:bgPr>
+        <a:gradFill flip="none" rotWithShape="1">
+          <a:gsLst>
+            <a:gs pos="100000">
+              <a:schemeClr val="bg1"/>
+            </a:gs>
+            <a:gs pos="0">
+              <a:schemeClr val="bg1"/>
+            </a:gs>
+          </a:gsLst>
+          <a:lin ang="5400000" scaled="0"/>
+          <a:tileRect/>
+        </a:gradFill>
+        <a:effectLst/>
+      </p:bgPr>
+    </p:bg>
     <p:spTree>
       <p:nvGrpSpPr>
         <p:cNvPr id="1" name=""/>
@@ -3501,59 +3928,379 @@
         </p:nvSpPr>
         <p:spPr/>
         <p:txBody>
-          <a:bodyPr/>
+          <a:bodyPr>
+            <a:normAutofit fontScale="90000"/>
+          </a:bodyPr>
           <a:lstStyle/>
           <a:p>
             <a:pPr algn="ctr"/>
             <a:r>
-              <a:rPr lang="de-CH" b="1" dirty="0" smtClean="0">
+              <a:rPr lang="de-CH" sz="4900" b="1" dirty="0">
                 <a:latin typeface="Lora" panose="00000500000000000000" pitchFamily="2" charset="0"/>
+                <a:cs typeface="Arial" panose="020B0604020202020204" pitchFamily="34" charset="0"/>
               </a:rPr>
-              <a:t>Testfälle und Testresultate</a:t>
-            </a:r>
-            <a:endParaRPr lang="de-CH" b="1" dirty="0">
-              <a:latin typeface="Lora" panose="00000500000000000000" pitchFamily="2" charset="0"/>
-            </a:endParaRPr>
-          </a:p>
-        </p:txBody>
-      </p:sp>
-      <p:sp>
-        <p:nvSpPr>
-          <p:cNvPr id="3" name="Inhaltsplatzhalter 2"/>
-          <p:cNvSpPr>
-            <a:spLocks noGrp="1"/>
-          </p:cNvSpPr>
-          <p:nvPr>
-            <p:ph idx="1"/>
-          </p:nvPr>
-        </p:nvSpPr>
-        <p:spPr/>
-        <p:txBody>
-          <a:bodyPr/>
+              <a:t>Planung</a:t>
+            </a:r>
+            <a:r>
+              <a:rPr lang="de-CH" sz="5400" b="1" dirty="0">
+                <a:latin typeface="Lora" panose="00000500000000000000" pitchFamily="2" charset="0"/>
+                <a:cs typeface="Arial" panose="020B0604020202020204" pitchFamily="34" charset="0"/>
+              </a:rPr>
+              <a:t> und </a:t>
+            </a:r>
+            <a:r>
+              <a:rPr lang="de-CH" sz="4900" b="1" dirty="0">
+                <a:latin typeface="Lora" panose="00000500000000000000" pitchFamily="2" charset="0"/>
+                <a:cs typeface="Arial" panose="020B0604020202020204" pitchFamily="34" charset="0"/>
+              </a:rPr>
+              <a:t>Erreichung</a:t>
+            </a:r>
+            <a:r>
+              <a:rPr lang="de-CH" sz="5400" b="1" dirty="0">
+                <a:latin typeface="Lora" panose="00000500000000000000" pitchFamily="2" charset="0"/>
+                <a:cs typeface="Arial" panose="020B0604020202020204" pitchFamily="34" charset="0"/>
+              </a:rPr>
+              <a:t> der </a:t>
+            </a:r>
+            <a:r>
+              <a:rPr lang="de-CH" sz="5400" b="1" dirty="0" smtClean="0">
+                <a:latin typeface="Lora" panose="00000500000000000000" pitchFamily="2" charset="0"/>
+                <a:cs typeface="Arial" panose="020B0604020202020204" pitchFamily="34" charset="0"/>
+              </a:rPr>
+              <a:t>Ziele</a:t>
+            </a:r>
+            <a:endParaRPr lang="de-CH" dirty="0"/>
+          </a:p>
+        </p:txBody>
+      </p:sp>
+      <p:sp>
+        <p:nvSpPr>
+          <p:cNvPr id="3" name="Textfeld 2"/>
+          <p:cNvSpPr txBox="1"/>
+          <p:nvPr/>
+        </p:nvSpPr>
+        <p:spPr>
+          <a:xfrm>
+            <a:off x="1200150" y="1981200"/>
+            <a:ext cx="9744075" cy="3970318"/>
+          </a:xfrm>
+          <a:prstGeom prst="rect">
+            <a:avLst/>
+          </a:prstGeom>
+          <a:noFill/>
+        </p:spPr>
+        <p:txBody>
+          <a:bodyPr wrap="square" rtlCol="0">
+            <a:spAutoFit/>
+          </a:bodyPr>
           <a:lstStyle/>
           <a:p>
-            <a:endParaRPr lang="de-CH" dirty="0">
+            <a:pPr marL="285750" indent="-285750">
+              <a:lnSpc>
+                <a:spcPct val="150000"/>
+              </a:lnSpc>
+              <a:buFont typeface="Arial" panose="020B0604020202020204" pitchFamily="34" charset="0"/>
+              <a:buChar char="•"/>
+            </a:pPr>
+            <a:r>
+              <a:rPr lang="de-CH" sz="2800" dirty="0" smtClean="0">
+                <a:latin typeface="Titillium" panose="00000500000000000000" pitchFamily="50" charset="0"/>
+              </a:rPr>
+              <a:t>Ziele festlegen und ins Gantt-Diagramm aufnehmen (Wegweiser)</a:t>
+            </a:r>
+          </a:p>
+          <a:p>
+            <a:pPr marL="285750" indent="-285750">
+              <a:lnSpc>
+                <a:spcPct val="150000"/>
+              </a:lnSpc>
+              <a:buFont typeface="Arial" panose="020B0604020202020204" pitchFamily="34" charset="0"/>
+              <a:buChar char="•"/>
+            </a:pPr>
+            <a:r>
+              <a:rPr lang="de-CH" sz="2800" dirty="0" smtClean="0">
+                <a:latin typeface="Titillium" panose="00000500000000000000" pitchFamily="50" charset="0"/>
+              </a:rPr>
+              <a:t>UML auf Papier für Übersicht</a:t>
+            </a:r>
+          </a:p>
+          <a:p>
+            <a:pPr marL="285750" indent="-285750">
+              <a:lnSpc>
+                <a:spcPct val="150000"/>
+              </a:lnSpc>
+              <a:buFont typeface="Arial" panose="020B0604020202020204" pitchFamily="34" charset="0"/>
+              <a:buChar char="•"/>
+            </a:pPr>
+            <a:r>
+              <a:rPr lang="de-CH" sz="2800" dirty="0" smtClean="0">
+                <a:latin typeface="Titillium" panose="00000500000000000000" pitchFamily="50" charset="0"/>
+              </a:rPr>
+              <a:t>Muss-/ Kann-Ziele </a:t>
+            </a:r>
+          </a:p>
+          <a:p>
+            <a:pPr marL="285750" indent="-285750">
+              <a:lnSpc>
+                <a:spcPct val="150000"/>
+              </a:lnSpc>
+              <a:buFont typeface="Arial" panose="020B0604020202020204" pitchFamily="34" charset="0"/>
+              <a:buChar char="•"/>
+            </a:pPr>
+            <a:r>
+              <a:rPr lang="de-CH" sz="2800" dirty="0" smtClean="0">
+                <a:latin typeface="Titillium" panose="00000500000000000000" pitchFamily="50" charset="0"/>
+              </a:rPr>
+              <a:t>Möglichst viel lernen (auch voneinander)</a:t>
+            </a:r>
+          </a:p>
+          <a:p>
+            <a:pPr marL="285750" indent="-285750">
+              <a:lnSpc>
+                <a:spcPct val="150000"/>
+              </a:lnSpc>
+              <a:buFont typeface="Arial" panose="020B0604020202020204" pitchFamily="34" charset="0"/>
+              <a:buChar char="•"/>
+            </a:pPr>
+            <a:endParaRPr lang="de-CH" sz="2800" dirty="0">
               <a:latin typeface="Titillium" panose="00000500000000000000" pitchFamily="50" charset="0"/>
             </a:endParaRPr>
           </a:p>
         </p:txBody>
       </p:sp>
+      <p:pic>
+        <p:nvPicPr>
+          <p:cNvPr id="4" name="Grafik 3"/>
+          <p:cNvPicPr>
+            <a:picLocks noChangeAspect="1"/>
+          </p:cNvPicPr>
+          <p:nvPr/>
+        </p:nvPicPr>
+        <p:blipFill>
+          <a:blip r:embed="rId2">
+            <a:extLst>
+              <a:ext uri="{28A0092B-C50C-407E-A947-70E740481C1C}">
+                <a14:useLocalDpi xmlns:a14="http://schemas.microsoft.com/office/drawing/2010/main" val="0"/>
+              </a:ext>
+            </a:extLst>
+          </a:blip>
+          <a:stretch>
+            <a:fillRect/>
+          </a:stretch>
+        </p:blipFill>
+        <p:spPr>
+          <a:xfrm>
+            <a:off x="8528051" y="4356386"/>
+            <a:ext cx="2825749" cy="1885644"/>
+          </a:xfrm>
+          <a:prstGeom prst="rect">
+            <a:avLst/>
+          </a:prstGeom>
+        </p:spPr>
+      </p:pic>
+      <p:grpSp>
+        <p:nvGrpSpPr>
+          <p:cNvPr id="5" name="Gruppieren 4"/>
+          <p:cNvGrpSpPr/>
+          <p:nvPr/>
+        </p:nvGrpSpPr>
+        <p:grpSpPr>
+          <a:xfrm>
+            <a:off x="-661747" y="-862083"/>
+            <a:ext cx="2547696" cy="2454415"/>
+            <a:chOff x="-880822" y="-634354"/>
+            <a:chExt cx="2547696" cy="2454415"/>
+          </a:xfrm>
+        </p:grpSpPr>
+        <p:sp>
+          <p:nvSpPr>
+            <p:cNvPr id="6" name="Rechteck 5"/>
+            <p:cNvSpPr/>
+            <p:nvPr/>
+          </p:nvSpPr>
+          <p:spPr>
+            <a:xfrm rot="739975">
+              <a:off x="314324" y="-332581"/>
+              <a:ext cx="1352550" cy="1095375"/>
+            </a:xfrm>
+            <a:prstGeom prst="rect">
+              <a:avLst/>
+            </a:prstGeom>
+            <a:solidFill>
+              <a:schemeClr val="bg2">
+                <a:lumMod val="90000"/>
+              </a:schemeClr>
+            </a:solidFill>
+            <a:ln>
+              <a:noFill/>
+            </a:ln>
+          </p:spPr>
+          <p:style>
+            <a:lnRef idx="2">
+              <a:schemeClr val="accent1">
+                <a:shade val="50000"/>
+              </a:schemeClr>
+            </a:lnRef>
+            <a:fillRef idx="1">
+              <a:schemeClr val="accent1"/>
+            </a:fillRef>
+            <a:effectRef idx="0">
+              <a:schemeClr val="accent1"/>
+            </a:effectRef>
+            <a:fontRef idx="minor">
+              <a:schemeClr val="lt1"/>
+            </a:fontRef>
+          </p:style>
+          <p:txBody>
+            <a:bodyPr rtlCol="0" anchor="ctr"/>
+            <a:lstStyle/>
+            <a:p>
+              <a:pPr algn="ctr"/>
+              <a:endParaRPr lang="de-CH"/>
+            </a:p>
+          </p:txBody>
+        </p:sp>
+        <p:sp>
+          <p:nvSpPr>
+            <p:cNvPr id="7" name="Rechteck 6"/>
+            <p:cNvSpPr/>
+            <p:nvPr/>
+          </p:nvSpPr>
+          <p:spPr>
+            <a:xfrm rot="12449877">
+              <a:off x="-880822" y="-634354"/>
+              <a:ext cx="1962150" cy="1619548"/>
+            </a:xfrm>
+            <a:prstGeom prst="rect">
+              <a:avLst/>
+            </a:prstGeom>
+            <a:solidFill>
+              <a:schemeClr val="tx1">
+                <a:lumMod val="65000"/>
+                <a:lumOff val="35000"/>
+              </a:schemeClr>
+            </a:solidFill>
+            <a:ln>
+              <a:noFill/>
+            </a:ln>
+          </p:spPr>
+          <p:style>
+            <a:lnRef idx="2">
+              <a:schemeClr val="accent1">
+                <a:shade val="50000"/>
+              </a:schemeClr>
+            </a:lnRef>
+            <a:fillRef idx="1">
+              <a:schemeClr val="accent1"/>
+            </a:fillRef>
+            <a:effectRef idx="0">
+              <a:schemeClr val="accent1"/>
+            </a:effectRef>
+            <a:fontRef idx="minor">
+              <a:schemeClr val="lt1"/>
+            </a:fontRef>
+          </p:style>
+          <p:txBody>
+            <a:bodyPr rtlCol="0" anchor="ctr"/>
+            <a:lstStyle/>
+            <a:p>
+              <a:pPr algn="ctr"/>
+              <a:endParaRPr lang="de-CH"/>
+            </a:p>
+          </p:txBody>
+        </p:sp>
+        <p:sp>
+          <p:nvSpPr>
+            <p:cNvPr id="8" name="Rechteck 7"/>
+            <p:cNvSpPr/>
+            <p:nvPr/>
+          </p:nvSpPr>
+          <p:spPr>
+            <a:xfrm rot="657888">
+              <a:off x="-317086" y="-265914"/>
+              <a:ext cx="811059" cy="2085975"/>
+            </a:xfrm>
+            <a:prstGeom prst="rect">
+              <a:avLst/>
+            </a:prstGeom>
+            <a:solidFill>
+              <a:schemeClr val="bg1">
+                <a:lumMod val="65000"/>
+              </a:schemeClr>
+            </a:solidFill>
+            <a:ln>
+              <a:noFill/>
+            </a:ln>
+          </p:spPr>
+          <p:style>
+            <a:lnRef idx="2">
+              <a:schemeClr val="accent1">
+                <a:shade val="50000"/>
+              </a:schemeClr>
+            </a:lnRef>
+            <a:fillRef idx="1">
+              <a:schemeClr val="accent1"/>
+            </a:fillRef>
+            <a:effectRef idx="0">
+              <a:schemeClr val="accent1"/>
+            </a:effectRef>
+            <a:fontRef idx="minor">
+              <a:schemeClr val="lt1"/>
+            </a:fontRef>
+          </p:style>
+          <p:txBody>
+            <a:bodyPr rtlCol="0" anchor="ctr"/>
+            <a:lstStyle/>
+            <a:p>
+              <a:pPr algn="ctr"/>
+              <a:endParaRPr lang="de-CH"/>
+            </a:p>
+          </p:txBody>
+        </p:sp>
+      </p:grpSp>
     </p:spTree>
     <p:extLst>
       <p:ext uri="{BB962C8B-B14F-4D97-AF65-F5344CB8AC3E}">
-        <p14:creationId xmlns:p14="http://schemas.microsoft.com/office/powerpoint/2010/main" val="2880960625"/>
+        <p14:creationId xmlns:p14="http://schemas.microsoft.com/office/powerpoint/2010/main" val="3352268817"/>
       </p:ext>
     </p:extLst>
   </p:cSld>
   <p:clrMapOvr>
     <a:masterClrMapping/>
   </p:clrMapOvr>
+  <p:transition spd="slow">
+    <p:wipe/>
+  </p:transition>
+  <p:timing>
+    <p:tnLst>
+      <p:par>
+        <p:cTn id="1" dur="indefinite" restart="never" nodeType="tmRoot"/>
+      </p:par>
+    </p:tnLst>
+  </p:timing>
 </p:sld>
 </file>
 
-<file path=ppt/slides/slide5.xml><?xml version="1.0" encoding="utf-8"?>
+<file path=ppt/slides/slide4.xml><?xml version="1.0" encoding="utf-8"?>
 <p:sld xmlns:a="http://schemas.openxmlformats.org/drawingml/2006/main" xmlns:r="http://schemas.openxmlformats.org/officeDocument/2006/relationships" xmlns:p="http://schemas.openxmlformats.org/presentationml/2006/main">
   <p:cSld>
+    <p:bg>
+      <p:bgPr>
+        <a:gradFill flip="none" rotWithShape="1">
+          <a:gsLst>
+            <a:gs pos="100000">
+              <a:schemeClr val="bg1"/>
+            </a:gs>
+            <a:gs pos="0">
+              <a:schemeClr val="bg1"/>
+            </a:gs>
+          </a:gsLst>
+          <a:lin ang="5400000" scaled="0"/>
+          <a:tileRect/>
+        </a:gradFill>
+        <a:effectLst/>
+      </p:bgPr>
+    </p:bg>
     <p:spTree>
       <p:nvGrpSpPr>
         <p:cNvPr id="1" name=""/>
@@ -3585,22 +4332,1575 @@
           <a:p>
             <a:pPr algn="ctr"/>
             <a:r>
-              <a:rPr lang="de-CH" b="1" dirty="0" err="1">
+              <a:rPr lang="de-CH" b="1" dirty="0" smtClean="0">
                 <a:latin typeface="Lora" panose="00000500000000000000" pitchFamily="2" charset="0"/>
               </a:rPr>
-              <a:t>Lessons</a:t>
-            </a:r>
+              <a:t>Vorgehensweise</a:t>
+            </a:r>
+            <a:endParaRPr lang="de-CH" b="1" dirty="0">
+              <a:latin typeface="Lora" panose="00000500000000000000" pitchFamily="2" charset="0"/>
+            </a:endParaRPr>
+          </a:p>
+        </p:txBody>
+      </p:sp>
+      <p:sp>
+        <p:nvSpPr>
+          <p:cNvPr id="3" name="Inhaltsplatzhalter 2"/>
+          <p:cNvSpPr>
+            <a:spLocks noGrp="1"/>
+          </p:cNvSpPr>
+          <p:nvPr>
+            <p:ph idx="1"/>
+          </p:nvPr>
+        </p:nvSpPr>
+        <p:spPr/>
+        <p:txBody>
+          <a:bodyPr/>
+          <a:lstStyle/>
+          <a:p>
+            <a:pPr>
+              <a:lnSpc>
+                <a:spcPct val="150000"/>
+              </a:lnSpc>
+            </a:pPr>
+            <a:r>
+              <a:rPr lang="de-CH" dirty="0" smtClean="0">
+                <a:latin typeface="Titillium" panose="00000500000000000000" pitchFamily="50" charset="0"/>
+              </a:rPr>
+              <a:t>Pair </a:t>
+            </a:r>
+            <a:r>
+              <a:rPr lang="de-CH" dirty="0" err="1" smtClean="0">
+                <a:latin typeface="Titillium" panose="00000500000000000000" pitchFamily="50" charset="0"/>
+              </a:rPr>
+              <a:t>programming</a:t>
+            </a:r>
+            <a:r>
+              <a:rPr lang="de-CH" dirty="0" smtClean="0">
+                <a:latin typeface="Titillium" panose="00000500000000000000" pitchFamily="50" charset="0"/>
+              </a:rPr>
+              <a:t> (mehrheitlich)</a:t>
+            </a:r>
+          </a:p>
+          <a:p>
+            <a:pPr>
+              <a:lnSpc>
+                <a:spcPct val="150000"/>
+              </a:lnSpc>
+            </a:pPr>
+            <a:r>
+              <a:rPr lang="de-CH" dirty="0" smtClean="0">
+                <a:latin typeface="Titillium" panose="00000500000000000000" pitchFamily="50" charset="0"/>
+              </a:rPr>
+              <a:t>Neustart</a:t>
+            </a:r>
+          </a:p>
+          <a:p>
+            <a:pPr>
+              <a:lnSpc>
+                <a:spcPct val="150000"/>
+              </a:lnSpc>
+            </a:pPr>
+            <a:r>
+              <a:rPr lang="de-CH" dirty="0" smtClean="0">
+                <a:latin typeface="Titillium" panose="00000500000000000000" pitchFamily="50" charset="0"/>
+              </a:rPr>
+              <a:t>RMI</a:t>
+            </a:r>
+          </a:p>
+          <a:p>
+            <a:pPr>
+              <a:lnSpc>
+                <a:spcPct val="150000"/>
+              </a:lnSpc>
+            </a:pPr>
+            <a:r>
+              <a:rPr lang="de-CH" dirty="0" smtClean="0">
+                <a:latin typeface="Titillium" panose="00000500000000000000" pitchFamily="50" charset="0"/>
+              </a:rPr>
+              <a:t>Klassen</a:t>
+            </a:r>
+          </a:p>
+          <a:p>
+            <a:pPr>
+              <a:lnSpc>
+                <a:spcPct val="150000"/>
+              </a:lnSpc>
+            </a:pPr>
+            <a:endParaRPr lang="de-CH" dirty="0" smtClean="0">
+              <a:latin typeface="Titillium" panose="00000500000000000000" pitchFamily="50" charset="0"/>
+            </a:endParaRPr>
+          </a:p>
+          <a:p>
+            <a:pPr>
+              <a:lnSpc>
+                <a:spcPct val="150000"/>
+              </a:lnSpc>
+            </a:pPr>
+            <a:endParaRPr lang="de-CH" dirty="0">
+              <a:latin typeface="Titillium" panose="00000500000000000000" pitchFamily="50" charset="0"/>
+            </a:endParaRPr>
+          </a:p>
+        </p:txBody>
+      </p:sp>
+      <p:pic>
+        <p:nvPicPr>
+          <p:cNvPr id="4" name="Grafik 3"/>
+          <p:cNvPicPr>
+            <a:picLocks noChangeAspect="1"/>
+          </p:cNvPicPr>
+          <p:nvPr/>
+        </p:nvPicPr>
+        <p:blipFill>
+          <a:blip r:embed="rId2">
+            <a:extLst>
+              <a:ext uri="{28A0092B-C50C-407E-A947-70E740481C1C}">
+                <a14:useLocalDpi xmlns:a14="http://schemas.microsoft.com/office/drawing/2010/main" val="0"/>
+              </a:ext>
+            </a:extLst>
+          </a:blip>
+          <a:stretch>
+            <a:fillRect/>
+          </a:stretch>
+        </p:blipFill>
+        <p:spPr>
+          <a:xfrm>
+            <a:off x="10334546" y="422882"/>
+            <a:ext cx="1496063" cy="1858745"/>
+          </a:xfrm>
+          <a:prstGeom prst="rect">
+            <a:avLst/>
+          </a:prstGeom>
+        </p:spPr>
+      </p:pic>
+      <p:grpSp>
+        <p:nvGrpSpPr>
+          <p:cNvPr id="5" name="Gruppieren 4"/>
+          <p:cNvGrpSpPr/>
+          <p:nvPr/>
+        </p:nvGrpSpPr>
+        <p:grpSpPr>
+          <a:xfrm>
+            <a:off x="-804622" y="-628790"/>
+            <a:ext cx="2547696" cy="2454415"/>
+            <a:chOff x="-880822" y="-634354"/>
+            <a:chExt cx="2547696" cy="2454415"/>
+          </a:xfrm>
+        </p:grpSpPr>
+        <p:sp>
+          <p:nvSpPr>
+            <p:cNvPr id="6" name="Rechteck 5"/>
+            <p:cNvSpPr/>
+            <p:nvPr/>
+          </p:nvSpPr>
+          <p:spPr>
+            <a:xfrm rot="739975">
+              <a:off x="314324" y="-332581"/>
+              <a:ext cx="1352550" cy="1095375"/>
+            </a:xfrm>
+            <a:prstGeom prst="rect">
+              <a:avLst/>
+            </a:prstGeom>
+            <a:solidFill>
+              <a:schemeClr val="bg2">
+                <a:lumMod val="90000"/>
+              </a:schemeClr>
+            </a:solidFill>
+            <a:ln>
+              <a:noFill/>
+            </a:ln>
+          </p:spPr>
+          <p:style>
+            <a:lnRef idx="2">
+              <a:schemeClr val="accent1">
+                <a:shade val="50000"/>
+              </a:schemeClr>
+            </a:lnRef>
+            <a:fillRef idx="1">
+              <a:schemeClr val="accent1"/>
+            </a:fillRef>
+            <a:effectRef idx="0">
+              <a:schemeClr val="accent1"/>
+            </a:effectRef>
+            <a:fontRef idx="minor">
+              <a:schemeClr val="lt1"/>
+            </a:fontRef>
+          </p:style>
+          <p:txBody>
+            <a:bodyPr rtlCol="0" anchor="ctr"/>
+            <a:lstStyle/>
+            <a:p>
+              <a:pPr algn="ctr"/>
+              <a:endParaRPr lang="de-CH"/>
+            </a:p>
+          </p:txBody>
+        </p:sp>
+        <p:sp>
+          <p:nvSpPr>
+            <p:cNvPr id="7" name="Rechteck 6"/>
+            <p:cNvSpPr/>
+            <p:nvPr/>
+          </p:nvSpPr>
+          <p:spPr>
+            <a:xfrm rot="12449877">
+              <a:off x="-880822" y="-634354"/>
+              <a:ext cx="1962150" cy="1619548"/>
+            </a:xfrm>
+            <a:prstGeom prst="rect">
+              <a:avLst/>
+            </a:prstGeom>
+            <a:solidFill>
+              <a:schemeClr val="tx1">
+                <a:lumMod val="65000"/>
+                <a:lumOff val="35000"/>
+              </a:schemeClr>
+            </a:solidFill>
+            <a:ln>
+              <a:noFill/>
+            </a:ln>
+          </p:spPr>
+          <p:style>
+            <a:lnRef idx="2">
+              <a:schemeClr val="accent1">
+                <a:shade val="50000"/>
+              </a:schemeClr>
+            </a:lnRef>
+            <a:fillRef idx="1">
+              <a:schemeClr val="accent1"/>
+            </a:fillRef>
+            <a:effectRef idx="0">
+              <a:schemeClr val="accent1"/>
+            </a:effectRef>
+            <a:fontRef idx="minor">
+              <a:schemeClr val="lt1"/>
+            </a:fontRef>
+          </p:style>
+          <p:txBody>
+            <a:bodyPr rtlCol="0" anchor="ctr"/>
+            <a:lstStyle/>
+            <a:p>
+              <a:pPr algn="ctr"/>
+              <a:endParaRPr lang="de-CH"/>
+            </a:p>
+          </p:txBody>
+        </p:sp>
+        <p:sp>
+          <p:nvSpPr>
+            <p:cNvPr id="8" name="Rechteck 7"/>
+            <p:cNvSpPr/>
+            <p:nvPr/>
+          </p:nvSpPr>
+          <p:spPr>
+            <a:xfrm rot="657888">
+              <a:off x="-317086" y="-265914"/>
+              <a:ext cx="811059" cy="2085975"/>
+            </a:xfrm>
+            <a:prstGeom prst="rect">
+              <a:avLst/>
+            </a:prstGeom>
+            <a:solidFill>
+              <a:schemeClr val="bg1">
+                <a:lumMod val="65000"/>
+              </a:schemeClr>
+            </a:solidFill>
+            <a:ln>
+              <a:noFill/>
+            </a:ln>
+          </p:spPr>
+          <p:style>
+            <a:lnRef idx="2">
+              <a:schemeClr val="accent1">
+                <a:shade val="50000"/>
+              </a:schemeClr>
+            </a:lnRef>
+            <a:fillRef idx="1">
+              <a:schemeClr val="accent1"/>
+            </a:fillRef>
+            <a:effectRef idx="0">
+              <a:schemeClr val="accent1"/>
+            </a:effectRef>
+            <a:fontRef idx="minor">
+              <a:schemeClr val="lt1"/>
+            </a:fontRef>
+          </p:style>
+          <p:txBody>
+            <a:bodyPr rtlCol="0" anchor="ctr"/>
+            <a:lstStyle/>
+            <a:p>
+              <a:pPr algn="ctr"/>
+              <a:endParaRPr lang="de-CH"/>
+            </a:p>
+          </p:txBody>
+        </p:sp>
+      </p:grpSp>
+      <p:grpSp>
+        <p:nvGrpSpPr>
+          <p:cNvPr id="9" name="Gruppieren 8"/>
+          <p:cNvGrpSpPr/>
+          <p:nvPr/>
+        </p:nvGrpSpPr>
+        <p:grpSpPr>
+          <a:xfrm rot="10800000">
+            <a:off x="10406303" y="4861571"/>
+            <a:ext cx="2547696" cy="2454415"/>
+            <a:chOff x="-880822" y="-634354"/>
+            <a:chExt cx="2547696" cy="2454415"/>
+          </a:xfrm>
+        </p:grpSpPr>
+        <p:sp>
+          <p:nvSpPr>
+            <p:cNvPr id="10" name="Rechteck 9"/>
+            <p:cNvSpPr/>
+            <p:nvPr/>
+          </p:nvSpPr>
+          <p:spPr>
+            <a:xfrm rot="739975">
+              <a:off x="314324" y="-332581"/>
+              <a:ext cx="1352550" cy="1095375"/>
+            </a:xfrm>
+            <a:prstGeom prst="rect">
+              <a:avLst/>
+            </a:prstGeom>
+            <a:solidFill>
+              <a:schemeClr val="bg2">
+                <a:lumMod val="90000"/>
+              </a:schemeClr>
+            </a:solidFill>
+            <a:ln>
+              <a:noFill/>
+            </a:ln>
+          </p:spPr>
+          <p:style>
+            <a:lnRef idx="2">
+              <a:schemeClr val="accent1">
+                <a:shade val="50000"/>
+              </a:schemeClr>
+            </a:lnRef>
+            <a:fillRef idx="1">
+              <a:schemeClr val="accent1"/>
+            </a:fillRef>
+            <a:effectRef idx="0">
+              <a:schemeClr val="accent1"/>
+            </a:effectRef>
+            <a:fontRef idx="minor">
+              <a:schemeClr val="lt1"/>
+            </a:fontRef>
+          </p:style>
+          <p:txBody>
+            <a:bodyPr rtlCol="0" anchor="ctr"/>
+            <a:lstStyle/>
+            <a:p>
+              <a:pPr algn="ctr"/>
+              <a:endParaRPr lang="de-CH"/>
+            </a:p>
+          </p:txBody>
+        </p:sp>
+        <p:sp>
+          <p:nvSpPr>
+            <p:cNvPr id="11" name="Rechteck 10"/>
+            <p:cNvSpPr/>
+            <p:nvPr/>
+          </p:nvSpPr>
+          <p:spPr>
+            <a:xfrm rot="12449877">
+              <a:off x="-880822" y="-634354"/>
+              <a:ext cx="1962150" cy="1619548"/>
+            </a:xfrm>
+            <a:prstGeom prst="rect">
+              <a:avLst/>
+            </a:prstGeom>
+            <a:solidFill>
+              <a:schemeClr val="tx1">
+                <a:lumMod val="65000"/>
+                <a:lumOff val="35000"/>
+              </a:schemeClr>
+            </a:solidFill>
+            <a:ln>
+              <a:noFill/>
+            </a:ln>
+          </p:spPr>
+          <p:style>
+            <a:lnRef idx="2">
+              <a:schemeClr val="accent1">
+                <a:shade val="50000"/>
+              </a:schemeClr>
+            </a:lnRef>
+            <a:fillRef idx="1">
+              <a:schemeClr val="accent1"/>
+            </a:fillRef>
+            <a:effectRef idx="0">
+              <a:schemeClr val="accent1"/>
+            </a:effectRef>
+            <a:fontRef idx="minor">
+              <a:schemeClr val="lt1"/>
+            </a:fontRef>
+          </p:style>
+          <p:txBody>
+            <a:bodyPr rtlCol="0" anchor="ctr"/>
+            <a:lstStyle/>
+            <a:p>
+              <a:pPr algn="ctr"/>
+              <a:endParaRPr lang="de-CH"/>
+            </a:p>
+          </p:txBody>
+        </p:sp>
+        <p:sp>
+          <p:nvSpPr>
+            <p:cNvPr id="12" name="Rechteck 11"/>
+            <p:cNvSpPr/>
+            <p:nvPr/>
+          </p:nvSpPr>
+          <p:spPr>
+            <a:xfrm rot="657888">
+              <a:off x="-317086" y="-265914"/>
+              <a:ext cx="811059" cy="2085975"/>
+            </a:xfrm>
+            <a:prstGeom prst="rect">
+              <a:avLst/>
+            </a:prstGeom>
+            <a:solidFill>
+              <a:schemeClr val="bg1">
+                <a:lumMod val="65000"/>
+              </a:schemeClr>
+            </a:solidFill>
+            <a:ln>
+              <a:noFill/>
+            </a:ln>
+          </p:spPr>
+          <p:style>
+            <a:lnRef idx="2">
+              <a:schemeClr val="accent1">
+                <a:shade val="50000"/>
+              </a:schemeClr>
+            </a:lnRef>
+            <a:fillRef idx="1">
+              <a:schemeClr val="accent1"/>
+            </a:fillRef>
+            <a:effectRef idx="0">
+              <a:schemeClr val="accent1"/>
+            </a:effectRef>
+            <a:fontRef idx="minor">
+              <a:schemeClr val="lt1"/>
+            </a:fontRef>
+          </p:style>
+          <p:txBody>
+            <a:bodyPr rtlCol="0" anchor="ctr"/>
+            <a:lstStyle/>
+            <a:p>
+              <a:pPr algn="ctr"/>
+              <a:endParaRPr lang="de-CH"/>
+            </a:p>
+          </p:txBody>
+        </p:sp>
+      </p:grpSp>
+    </p:spTree>
+    <p:extLst>
+      <p:ext uri="{BB962C8B-B14F-4D97-AF65-F5344CB8AC3E}">
+        <p14:creationId xmlns:p14="http://schemas.microsoft.com/office/powerpoint/2010/main" val="1018224634"/>
+      </p:ext>
+    </p:extLst>
+  </p:cSld>
+  <p:clrMapOvr>
+    <a:masterClrMapping/>
+  </p:clrMapOvr>
+  <p:transition spd="slow">
+    <p:wipe/>
+  </p:transition>
+  <p:timing>
+    <p:tnLst>
+      <p:par>
+        <p:cTn id="1" dur="indefinite" restart="never" nodeType="tmRoot"/>
+      </p:par>
+    </p:tnLst>
+  </p:timing>
+</p:sld>
+</file>
+
+<file path=ppt/slides/slide5.xml><?xml version="1.0" encoding="utf-8"?>
+<p:sld xmlns:a="http://schemas.openxmlformats.org/drawingml/2006/main" xmlns:r="http://schemas.openxmlformats.org/officeDocument/2006/relationships" xmlns:p="http://schemas.openxmlformats.org/presentationml/2006/main">
+  <p:cSld>
+    <p:bg>
+      <p:bgPr>
+        <a:gradFill flip="none" rotWithShape="1">
+          <a:gsLst>
+            <a:gs pos="100000">
+              <a:schemeClr val="bg1"/>
+            </a:gs>
+            <a:gs pos="0">
+              <a:schemeClr val="bg1"/>
+            </a:gs>
+          </a:gsLst>
+          <a:lin ang="5400000" scaled="0"/>
+          <a:tileRect/>
+        </a:gradFill>
+        <a:effectLst/>
+      </p:bgPr>
+    </p:bg>
+    <p:spTree>
+      <p:nvGrpSpPr>
+        <p:cNvPr id="1" name=""/>
+        <p:cNvGrpSpPr/>
+        <p:nvPr/>
+      </p:nvGrpSpPr>
+      <p:grpSpPr>
+        <a:xfrm>
+          <a:off x="0" y="0"/>
+          <a:ext cx="0" cy="0"/>
+          <a:chOff x="0" y="0"/>
+          <a:chExt cx="0" cy="0"/>
+        </a:xfrm>
+      </p:grpSpPr>
+      <p:sp>
+        <p:nvSpPr>
+          <p:cNvPr id="2" name="Titel 1"/>
+          <p:cNvSpPr>
+            <a:spLocks noGrp="1"/>
+          </p:cNvSpPr>
+          <p:nvPr>
+            <p:ph type="title"/>
+          </p:nvPr>
+        </p:nvSpPr>
+        <p:spPr/>
+        <p:txBody>
+          <a:bodyPr/>
+          <a:lstStyle/>
+          <a:p>
+            <a:pPr algn="ctr"/>
+            <a:r>
+              <a:rPr lang="de-CH" b="1" dirty="0" smtClean="0">
+                <a:latin typeface="Lora" panose="00000500000000000000" pitchFamily="2" charset="0"/>
+              </a:rPr>
+              <a:t>Besondere Codestelle</a:t>
+            </a:r>
+            <a:endParaRPr lang="de-CH" dirty="0"/>
+          </a:p>
+        </p:txBody>
+      </p:sp>
+      <p:pic>
+        <p:nvPicPr>
+          <p:cNvPr id="3" name="Grafik 2"/>
+          <p:cNvPicPr>
+            <a:picLocks noChangeAspect="1"/>
+          </p:cNvPicPr>
+          <p:nvPr/>
+        </p:nvPicPr>
+        <p:blipFill>
+          <a:blip r:embed="rId2"/>
+          <a:stretch>
+            <a:fillRect/>
+          </a:stretch>
+        </p:blipFill>
+        <p:spPr>
+          <a:xfrm>
+            <a:off x="2133214" y="1690688"/>
+            <a:ext cx="7925571" cy="3862387"/>
+          </a:xfrm>
+          <a:prstGeom prst="rect">
+            <a:avLst/>
+          </a:prstGeom>
+        </p:spPr>
+      </p:pic>
+      <p:grpSp>
+        <p:nvGrpSpPr>
+          <p:cNvPr id="4" name="Gruppieren 3"/>
+          <p:cNvGrpSpPr/>
+          <p:nvPr/>
+        </p:nvGrpSpPr>
+        <p:grpSpPr>
+          <a:xfrm>
+            <a:off x="-823672" y="-862083"/>
+            <a:ext cx="2547696" cy="2454415"/>
+            <a:chOff x="-880822" y="-634354"/>
+            <a:chExt cx="2547696" cy="2454415"/>
+          </a:xfrm>
+        </p:grpSpPr>
+        <p:sp>
+          <p:nvSpPr>
+            <p:cNvPr id="5" name="Rechteck 4"/>
+            <p:cNvSpPr/>
+            <p:nvPr/>
+          </p:nvSpPr>
+          <p:spPr>
+            <a:xfrm rot="739975">
+              <a:off x="314324" y="-332581"/>
+              <a:ext cx="1352550" cy="1095375"/>
+            </a:xfrm>
+            <a:prstGeom prst="rect">
+              <a:avLst/>
+            </a:prstGeom>
+            <a:solidFill>
+              <a:schemeClr val="bg2">
+                <a:lumMod val="90000"/>
+              </a:schemeClr>
+            </a:solidFill>
+            <a:ln>
+              <a:noFill/>
+            </a:ln>
+          </p:spPr>
+          <p:style>
+            <a:lnRef idx="2">
+              <a:schemeClr val="accent1">
+                <a:shade val="50000"/>
+              </a:schemeClr>
+            </a:lnRef>
+            <a:fillRef idx="1">
+              <a:schemeClr val="accent1"/>
+            </a:fillRef>
+            <a:effectRef idx="0">
+              <a:schemeClr val="accent1"/>
+            </a:effectRef>
+            <a:fontRef idx="minor">
+              <a:schemeClr val="lt1"/>
+            </a:fontRef>
+          </p:style>
+          <p:txBody>
+            <a:bodyPr rtlCol="0" anchor="ctr"/>
+            <a:lstStyle/>
+            <a:p>
+              <a:pPr algn="ctr"/>
+              <a:endParaRPr lang="de-CH"/>
+            </a:p>
+          </p:txBody>
+        </p:sp>
+        <p:sp>
+          <p:nvSpPr>
+            <p:cNvPr id="6" name="Rechteck 5"/>
+            <p:cNvSpPr/>
+            <p:nvPr/>
+          </p:nvSpPr>
+          <p:spPr>
+            <a:xfrm rot="12449877">
+              <a:off x="-880822" y="-634354"/>
+              <a:ext cx="1962150" cy="1619548"/>
+            </a:xfrm>
+            <a:prstGeom prst="rect">
+              <a:avLst/>
+            </a:prstGeom>
+            <a:solidFill>
+              <a:schemeClr val="tx1">
+                <a:lumMod val="65000"/>
+                <a:lumOff val="35000"/>
+              </a:schemeClr>
+            </a:solidFill>
+            <a:ln>
+              <a:noFill/>
+            </a:ln>
+          </p:spPr>
+          <p:style>
+            <a:lnRef idx="2">
+              <a:schemeClr val="accent1">
+                <a:shade val="50000"/>
+              </a:schemeClr>
+            </a:lnRef>
+            <a:fillRef idx="1">
+              <a:schemeClr val="accent1"/>
+            </a:fillRef>
+            <a:effectRef idx="0">
+              <a:schemeClr val="accent1"/>
+            </a:effectRef>
+            <a:fontRef idx="minor">
+              <a:schemeClr val="lt1"/>
+            </a:fontRef>
+          </p:style>
+          <p:txBody>
+            <a:bodyPr rtlCol="0" anchor="ctr"/>
+            <a:lstStyle/>
+            <a:p>
+              <a:pPr algn="ctr"/>
+              <a:endParaRPr lang="de-CH"/>
+            </a:p>
+          </p:txBody>
+        </p:sp>
+        <p:sp>
+          <p:nvSpPr>
+            <p:cNvPr id="7" name="Rechteck 6"/>
+            <p:cNvSpPr/>
+            <p:nvPr/>
+          </p:nvSpPr>
+          <p:spPr>
+            <a:xfrm rot="657888">
+              <a:off x="-317086" y="-265914"/>
+              <a:ext cx="811059" cy="2085975"/>
+            </a:xfrm>
+            <a:prstGeom prst="rect">
+              <a:avLst/>
+            </a:prstGeom>
+            <a:solidFill>
+              <a:schemeClr val="bg1">
+                <a:lumMod val="65000"/>
+              </a:schemeClr>
+            </a:solidFill>
+            <a:ln>
+              <a:noFill/>
+            </a:ln>
+          </p:spPr>
+          <p:style>
+            <a:lnRef idx="2">
+              <a:schemeClr val="accent1">
+                <a:shade val="50000"/>
+              </a:schemeClr>
+            </a:lnRef>
+            <a:fillRef idx="1">
+              <a:schemeClr val="accent1"/>
+            </a:fillRef>
+            <a:effectRef idx="0">
+              <a:schemeClr val="accent1"/>
+            </a:effectRef>
+            <a:fontRef idx="minor">
+              <a:schemeClr val="lt1"/>
+            </a:fontRef>
+          </p:style>
+          <p:txBody>
+            <a:bodyPr rtlCol="0" anchor="ctr"/>
+            <a:lstStyle/>
+            <a:p>
+              <a:pPr algn="ctr"/>
+              <a:endParaRPr lang="de-CH"/>
+            </a:p>
+          </p:txBody>
+        </p:sp>
+      </p:grpSp>
+      <p:grpSp>
+        <p:nvGrpSpPr>
+          <p:cNvPr id="8" name="Gruppieren 7"/>
+          <p:cNvGrpSpPr/>
+          <p:nvPr/>
+        </p:nvGrpSpPr>
+        <p:grpSpPr>
+          <a:xfrm rot="10800000">
+            <a:off x="10359768" y="4822685"/>
+            <a:ext cx="2547696" cy="2454415"/>
+            <a:chOff x="-880822" y="-634354"/>
+            <a:chExt cx="2547696" cy="2454415"/>
+          </a:xfrm>
+        </p:grpSpPr>
+        <p:sp>
+          <p:nvSpPr>
+            <p:cNvPr id="9" name="Rechteck 8"/>
+            <p:cNvSpPr/>
+            <p:nvPr/>
+          </p:nvSpPr>
+          <p:spPr>
+            <a:xfrm rot="739975">
+              <a:off x="314324" y="-332581"/>
+              <a:ext cx="1352550" cy="1095375"/>
+            </a:xfrm>
+            <a:prstGeom prst="rect">
+              <a:avLst/>
+            </a:prstGeom>
+            <a:solidFill>
+              <a:schemeClr val="bg2">
+                <a:lumMod val="90000"/>
+              </a:schemeClr>
+            </a:solidFill>
+            <a:ln>
+              <a:noFill/>
+            </a:ln>
+          </p:spPr>
+          <p:style>
+            <a:lnRef idx="2">
+              <a:schemeClr val="accent1">
+                <a:shade val="50000"/>
+              </a:schemeClr>
+            </a:lnRef>
+            <a:fillRef idx="1">
+              <a:schemeClr val="accent1"/>
+            </a:fillRef>
+            <a:effectRef idx="0">
+              <a:schemeClr val="accent1"/>
+            </a:effectRef>
+            <a:fontRef idx="minor">
+              <a:schemeClr val="lt1"/>
+            </a:fontRef>
+          </p:style>
+          <p:txBody>
+            <a:bodyPr rtlCol="0" anchor="ctr"/>
+            <a:lstStyle/>
+            <a:p>
+              <a:pPr algn="ctr"/>
+              <a:endParaRPr lang="de-CH"/>
+            </a:p>
+          </p:txBody>
+        </p:sp>
+        <p:sp>
+          <p:nvSpPr>
+            <p:cNvPr id="10" name="Rechteck 9"/>
+            <p:cNvSpPr/>
+            <p:nvPr/>
+          </p:nvSpPr>
+          <p:spPr>
+            <a:xfrm rot="12449877">
+              <a:off x="-880822" y="-634354"/>
+              <a:ext cx="1962150" cy="1619548"/>
+            </a:xfrm>
+            <a:prstGeom prst="rect">
+              <a:avLst/>
+            </a:prstGeom>
+            <a:solidFill>
+              <a:schemeClr val="tx1">
+                <a:lumMod val="65000"/>
+                <a:lumOff val="35000"/>
+              </a:schemeClr>
+            </a:solidFill>
+            <a:ln>
+              <a:noFill/>
+            </a:ln>
+          </p:spPr>
+          <p:style>
+            <a:lnRef idx="2">
+              <a:schemeClr val="accent1">
+                <a:shade val="50000"/>
+              </a:schemeClr>
+            </a:lnRef>
+            <a:fillRef idx="1">
+              <a:schemeClr val="accent1"/>
+            </a:fillRef>
+            <a:effectRef idx="0">
+              <a:schemeClr val="accent1"/>
+            </a:effectRef>
+            <a:fontRef idx="minor">
+              <a:schemeClr val="lt1"/>
+            </a:fontRef>
+          </p:style>
+          <p:txBody>
+            <a:bodyPr rtlCol="0" anchor="ctr"/>
+            <a:lstStyle/>
+            <a:p>
+              <a:pPr algn="ctr"/>
+              <a:endParaRPr lang="de-CH"/>
+            </a:p>
+          </p:txBody>
+        </p:sp>
+        <p:sp>
+          <p:nvSpPr>
+            <p:cNvPr id="11" name="Rechteck 10"/>
+            <p:cNvSpPr/>
+            <p:nvPr/>
+          </p:nvSpPr>
+          <p:spPr>
+            <a:xfrm rot="657888">
+              <a:off x="-317086" y="-265914"/>
+              <a:ext cx="811059" cy="2085975"/>
+            </a:xfrm>
+            <a:prstGeom prst="rect">
+              <a:avLst/>
+            </a:prstGeom>
+            <a:solidFill>
+              <a:schemeClr val="bg1">
+                <a:lumMod val="65000"/>
+              </a:schemeClr>
+            </a:solidFill>
+            <a:ln>
+              <a:noFill/>
+            </a:ln>
+          </p:spPr>
+          <p:style>
+            <a:lnRef idx="2">
+              <a:schemeClr val="accent1">
+                <a:shade val="50000"/>
+              </a:schemeClr>
+            </a:lnRef>
+            <a:fillRef idx="1">
+              <a:schemeClr val="accent1"/>
+            </a:fillRef>
+            <a:effectRef idx="0">
+              <a:schemeClr val="accent1"/>
+            </a:effectRef>
+            <a:fontRef idx="minor">
+              <a:schemeClr val="lt1"/>
+            </a:fontRef>
+          </p:style>
+          <p:txBody>
+            <a:bodyPr rtlCol="0" anchor="ctr"/>
+            <a:lstStyle/>
+            <a:p>
+              <a:pPr algn="ctr"/>
+              <a:endParaRPr lang="de-CH"/>
+            </a:p>
+          </p:txBody>
+        </p:sp>
+      </p:grpSp>
+    </p:spTree>
+    <p:extLst>
+      <p:ext uri="{BB962C8B-B14F-4D97-AF65-F5344CB8AC3E}">
+        <p14:creationId xmlns:p14="http://schemas.microsoft.com/office/powerpoint/2010/main" val="2240614552"/>
+      </p:ext>
+    </p:extLst>
+  </p:cSld>
+  <p:clrMapOvr>
+    <a:masterClrMapping/>
+  </p:clrMapOvr>
+  <p:transition spd="slow">
+    <p:wipe/>
+  </p:transition>
+  <p:timing>
+    <p:tnLst>
+      <p:par>
+        <p:cTn id="1" dur="indefinite" restart="never" nodeType="tmRoot"/>
+      </p:par>
+    </p:tnLst>
+  </p:timing>
+</p:sld>
+</file>
+
+<file path=ppt/slides/slide6.xml><?xml version="1.0" encoding="utf-8"?>
+<p:sld xmlns:a="http://schemas.openxmlformats.org/drawingml/2006/main" xmlns:r="http://schemas.openxmlformats.org/officeDocument/2006/relationships" xmlns:p="http://schemas.openxmlformats.org/presentationml/2006/main">
+  <p:cSld>
+    <p:bg>
+      <p:bgPr>
+        <a:gradFill flip="none" rotWithShape="1">
+          <a:gsLst>
+            <a:gs pos="100000">
+              <a:schemeClr val="bg1"/>
+            </a:gs>
+            <a:gs pos="0">
+              <a:schemeClr val="bg1"/>
+            </a:gs>
+          </a:gsLst>
+          <a:lin ang="5400000" scaled="0"/>
+          <a:tileRect/>
+        </a:gradFill>
+        <a:effectLst/>
+      </p:bgPr>
+    </p:bg>
+    <p:spTree>
+      <p:nvGrpSpPr>
+        <p:cNvPr id="1" name=""/>
+        <p:cNvGrpSpPr/>
+        <p:nvPr/>
+      </p:nvGrpSpPr>
+      <p:grpSpPr>
+        <a:xfrm>
+          <a:off x="0" y="0"/>
+          <a:ext cx="0" cy="0"/>
+          <a:chOff x="0" y="0"/>
+          <a:chExt cx="0" cy="0"/>
+        </a:xfrm>
+      </p:grpSpPr>
+      <p:sp>
+        <p:nvSpPr>
+          <p:cNvPr id="2" name="Titel 1"/>
+          <p:cNvSpPr>
+            <a:spLocks noGrp="1"/>
+          </p:cNvSpPr>
+          <p:nvPr>
+            <p:ph type="title"/>
+          </p:nvPr>
+        </p:nvSpPr>
+        <p:spPr/>
+        <p:txBody>
+          <a:bodyPr/>
+          <a:lstStyle/>
+          <a:p>
+            <a:pPr algn="ctr"/>
+            <a:r>
+              <a:rPr lang="de-CH" b="1" dirty="0" smtClean="0">
+                <a:latin typeface="Lora" panose="00000500000000000000" pitchFamily="2" charset="0"/>
+              </a:rPr>
+              <a:t>Testfälle und Testresultate</a:t>
+            </a:r>
+            <a:endParaRPr lang="de-CH" b="1" dirty="0">
+              <a:latin typeface="Lora" panose="00000500000000000000" pitchFamily="2" charset="0"/>
+            </a:endParaRPr>
+          </a:p>
+        </p:txBody>
+      </p:sp>
+      <p:sp>
+        <p:nvSpPr>
+          <p:cNvPr id="3" name="Inhaltsplatzhalter 2"/>
+          <p:cNvSpPr>
+            <a:spLocks noGrp="1"/>
+          </p:cNvSpPr>
+          <p:nvPr>
+            <p:ph idx="1"/>
+          </p:nvPr>
+        </p:nvSpPr>
+        <p:spPr/>
+        <p:txBody>
+          <a:bodyPr/>
+          <a:lstStyle/>
+          <a:p>
+            <a:r>
+              <a:rPr lang="de-CH" dirty="0" err="1" smtClean="0">
+                <a:latin typeface="Titillium" panose="00000500000000000000" pitchFamily="50" charset="0"/>
+              </a:rPr>
+              <a:t>JUnit</a:t>
+            </a:r>
+            <a:r>
+              <a:rPr lang="de-CH" dirty="0" smtClean="0">
+                <a:latin typeface="Titillium" panose="00000500000000000000" pitchFamily="50" charset="0"/>
+              </a:rPr>
+              <a:t>-Test (siehe Code)</a:t>
+            </a:r>
+          </a:p>
+          <a:p>
+            <a:pPr marL="0" indent="0">
+              <a:buNone/>
+            </a:pPr>
+            <a:r>
+              <a:rPr lang="de-CH" sz="2400" dirty="0" smtClean="0">
+                <a:latin typeface="Titillium" panose="00000500000000000000" pitchFamily="50" charset="0"/>
+              </a:rPr>
+              <a:t>&gt; 4 Methoden getestet (</a:t>
+            </a:r>
+            <a:r>
+              <a:rPr lang="de-CH" sz="2400" dirty="0" err="1" smtClean="0">
+                <a:latin typeface="Titillium" panose="00000500000000000000" pitchFamily="50" charset="0"/>
+              </a:rPr>
+              <a:t>Timer</a:t>
+            </a:r>
+            <a:r>
+              <a:rPr lang="de-CH" sz="2400" dirty="0" smtClean="0">
+                <a:latin typeface="Titillium" panose="00000500000000000000" pitchFamily="50" charset="0"/>
+              </a:rPr>
+              <a:t>, Spielernummer</a:t>
+            </a:r>
+            <a:r>
+              <a:rPr lang="de-CH" sz="2400" smtClean="0">
+                <a:latin typeface="Titillium" panose="00000500000000000000" pitchFamily="50" charset="0"/>
+              </a:rPr>
+              <a:t>, </a:t>
+            </a:r>
+            <a:r>
+              <a:rPr lang="de-CH" sz="2400" smtClean="0">
+                <a:latin typeface="Titillium" panose="00000500000000000000" pitchFamily="50" charset="0"/>
+              </a:rPr>
+              <a:t> </a:t>
+            </a:r>
+            <a:r>
+              <a:rPr lang="de-CH" sz="2400" dirty="0" err="1" smtClean="0">
+                <a:latin typeface="Titillium" panose="00000500000000000000" pitchFamily="50" charset="0"/>
+              </a:rPr>
+              <a:t>findIndex</a:t>
+            </a:r>
+            <a:r>
+              <a:rPr lang="de-CH" sz="2400" dirty="0" smtClean="0">
+                <a:latin typeface="Titillium" panose="00000500000000000000" pitchFamily="50" charset="0"/>
+              </a:rPr>
+              <a:t>, </a:t>
+            </a:r>
+            <a:r>
+              <a:rPr lang="de-CH" sz="2400" dirty="0">
+                <a:latin typeface="Titillium" panose="00000500000000000000" pitchFamily="50" charset="0"/>
+              </a:rPr>
+              <a:t>Name)</a:t>
+            </a:r>
+            <a:endParaRPr lang="de-CH" sz="2400" dirty="0" smtClean="0">
+              <a:latin typeface="Titillium" panose="00000500000000000000" pitchFamily="50" charset="0"/>
+            </a:endParaRPr>
+          </a:p>
+          <a:p>
+            <a:pPr marL="0" indent="0">
+              <a:buNone/>
+            </a:pPr>
+            <a:endParaRPr lang="de-CH" dirty="0" smtClean="0">
+              <a:latin typeface="Titillium" panose="00000500000000000000" pitchFamily="50" charset="0"/>
+            </a:endParaRPr>
+          </a:p>
+          <a:p>
+            <a:r>
+              <a:rPr lang="de-CH" dirty="0" smtClean="0">
+                <a:latin typeface="Titillium" panose="00000500000000000000" pitchFamily="50" charset="0"/>
+              </a:rPr>
+              <a:t>User </a:t>
+            </a:r>
+            <a:r>
+              <a:rPr lang="de-CH" dirty="0" err="1" smtClean="0">
+                <a:latin typeface="Titillium" panose="00000500000000000000" pitchFamily="50" charset="0"/>
+              </a:rPr>
+              <a:t>Acceptance</a:t>
+            </a:r>
+            <a:r>
+              <a:rPr lang="de-CH" dirty="0" smtClean="0">
+                <a:latin typeface="Titillium" panose="00000500000000000000" pitchFamily="50" charset="0"/>
+              </a:rPr>
+              <a:t> Testfälle</a:t>
+            </a:r>
+          </a:p>
+          <a:p>
+            <a:pPr marL="0" indent="0">
+              <a:buNone/>
+            </a:pPr>
+            <a:r>
+              <a:rPr lang="de-CH" sz="2400" dirty="0" smtClean="0">
+                <a:latin typeface="Titillium" panose="00000500000000000000" pitchFamily="50" charset="0"/>
+              </a:rPr>
+              <a:t>&gt; User-Stories 01-11</a:t>
+            </a:r>
+          </a:p>
+          <a:p>
+            <a:pPr marL="0" indent="0">
+              <a:buNone/>
+            </a:pPr>
+            <a:r>
+              <a:rPr lang="de-CH" sz="2400" dirty="0" smtClean="0">
+                <a:latin typeface="Titillium" panose="00000500000000000000" pitchFamily="50" charset="0"/>
+              </a:rPr>
+              <a:t>&gt; 100% erfolgreich</a:t>
+            </a:r>
+          </a:p>
+          <a:p>
+            <a:pPr marL="0" indent="0">
+              <a:buNone/>
+            </a:pPr>
+            <a:r>
+              <a:rPr lang="de-CH" sz="2400" dirty="0" smtClean="0">
+                <a:latin typeface="Titillium" panose="00000500000000000000" pitchFamily="50" charset="0"/>
+              </a:rPr>
+              <a:t>&gt; </a:t>
+            </a:r>
+            <a:r>
+              <a:rPr lang="de-CH" sz="2400" dirty="0" err="1" smtClean="0">
+                <a:latin typeface="Titillium" panose="00000500000000000000" pitchFamily="50" charset="0"/>
+              </a:rPr>
+              <a:t>Reangsi</a:t>
+            </a:r>
+            <a:r>
+              <a:rPr lang="de-CH" sz="2400" dirty="0" smtClean="0">
+                <a:latin typeface="Titillium" panose="00000500000000000000" pitchFamily="50" charset="0"/>
+              </a:rPr>
+              <a:t> (2. Testprotokoll)</a:t>
+            </a:r>
+            <a:endParaRPr lang="de-CH" sz="2400" dirty="0">
+              <a:latin typeface="Titillium" panose="00000500000000000000" pitchFamily="50" charset="0"/>
+            </a:endParaRPr>
+          </a:p>
+        </p:txBody>
+      </p:sp>
+      <p:pic>
+        <p:nvPicPr>
+          <p:cNvPr id="5" name="Grafik 4"/>
+          <p:cNvPicPr>
+            <a:picLocks noChangeAspect="1"/>
+          </p:cNvPicPr>
+          <p:nvPr/>
+        </p:nvPicPr>
+        <p:blipFill>
+          <a:blip r:embed="rId2">
+            <a:extLst>
+              <a:ext uri="{28A0092B-C50C-407E-A947-70E740481C1C}">
+                <a14:useLocalDpi xmlns:a14="http://schemas.microsoft.com/office/drawing/2010/main" val="0"/>
+              </a:ext>
+            </a:extLst>
+          </a:blip>
+          <a:stretch>
+            <a:fillRect/>
+          </a:stretch>
+        </p:blipFill>
+        <p:spPr>
+          <a:xfrm rot="321461">
+            <a:off x="10148887" y="433582"/>
+            <a:ext cx="1538288" cy="1538288"/>
+          </a:xfrm>
+          <a:prstGeom prst="rect">
+            <a:avLst/>
+          </a:prstGeom>
+        </p:spPr>
+      </p:pic>
+      <p:grpSp>
+        <p:nvGrpSpPr>
+          <p:cNvPr id="6" name="Gruppieren 5"/>
+          <p:cNvGrpSpPr/>
+          <p:nvPr/>
+        </p:nvGrpSpPr>
+        <p:grpSpPr>
+          <a:xfrm>
+            <a:off x="-699847" y="-628790"/>
+            <a:ext cx="2547696" cy="2454415"/>
+            <a:chOff x="-880822" y="-634354"/>
+            <a:chExt cx="2547696" cy="2454415"/>
+          </a:xfrm>
+        </p:grpSpPr>
+        <p:sp>
+          <p:nvSpPr>
+            <p:cNvPr id="7" name="Rechteck 6"/>
+            <p:cNvSpPr/>
+            <p:nvPr/>
+          </p:nvSpPr>
+          <p:spPr>
+            <a:xfrm rot="739975">
+              <a:off x="314324" y="-332581"/>
+              <a:ext cx="1352550" cy="1095375"/>
+            </a:xfrm>
+            <a:prstGeom prst="rect">
+              <a:avLst/>
+            </a:prstGeom>
+            <a:solidFill>
+              <a:schemeClr val="bg2">
+                <a:lumMod val="90000"/>
+              </a:schemeClr>
+            </a:solidFill>
+            <a:ln>
+              <a:noFill/>
+            </a:ln>
+          </p:spPr>
+          <p:style>
+            <a:lnRef idx="2">
+              <a:schemeClr val="accent1">
+                <a:shade val="50000"/>
+              </a:schemeClr>
+            </a:lnRef>
+            <a:fillRef idx="1">
+              <a:schemeClr val="accent1"/>
+            </a:fillRef>
+            <a:effectRef idx="0">
+              <a:schemeClr val="accent1"/>
+            </a:effectRef>
+            <a:fontRef idx="minor">
+              <a:schemeClr val="lt1"/>
+            </a:fontRef>
+          </p:style>
+          <p:txBody>
+            <a:bodyPr rtlCol="0" anchor="ctr"/>
+            <a:lstStyle/>
+            <a:p>
+              <a:pPr algn="ctr"/>
+              <a:endParaRPr lang="de-CH"/>
+            </a:p>
+          </p:txBody>
+        </p:sp>
+        <p:sp>
+          <p:nvSpPr>
+            <p:cNvPr id="8" name="Rechteck 7"/>
+            <p:cNvSpPr/>
+            <p:nvPr/>
+          </p:nvSpPr>
+          <p:spPr>
+            <a:xfrm rot="12449877">
+              <a:off x="-880822" y="-634354"/>
+              <a:ext cx="1962150" cy="1619548"/>
+            </a:xfrm>
+            <a:prstGeom prst="rect">
+              <a:avLst/>
+            </a:prstGeom>
+            <a:solidFill>
+              <a:schemeClr val="tx1">
+                <a:lumMod val="65000"/>
+                <a:lumOff val="35000"/>
+              </a:schemeClr>
+            </a:solidFill>
+            <a:ln>
+              <a:noFill/>
+            </a:ln>
+          </p:spPr>
+          <p:style>
+            <a:lnRef idx="2">
+              <a:schemeClr val="accent1">
+                <a:shade val="50000"/>
+              </a:schemeClr>
+            </a:lnRef>
+            <a:fillRef idx="1">
+              <a:schemeClr val="accent1"/>
+            </a:fillRef>
+            <a:effectRef idx="0">
+              <a:schemeClr val="accent1"/>
+            </a:effectRef>
+            <a:fontRef idx="minor">
+              <a:schemeClr val="lt1"/>
+            </a:fontRef>
+          </p:style>
+          <p:txBody>
+            <a:bodyPr rtlCol="0" anchor="ctr"/>
+            <a:lstStyle/>
+            <a:p>
+              <a:pPr algn="ctr"/>
+              <a:endParaRPr lang="de-CH"/>
+            </a:p>
+          </p:txBody>
+        </p:sp>
+        <p:sp>
+          <p:nvSpPr>
+            <p:cNvPr id="9" name="Rechteck 8"/>
+            <p:cNvSpPr/>
+            <p:nvPr/>
+          </p:nvSpPr>
+          <p:spPr>
+            <a:xfrm rot="657888">
+              <a:off x="-317086" y="-265914"/>
+              <a:ext cx="811059" cy="2085975"/>
+            </a:xfrm>
+            <a:prstGeom prst="rect">
+              <a:avLst/>
+            </a:prstGeom>
+            <a:solidFill>
+              <a:schemeClr val="bg1">
+                <a:lumMod val="65000"/>
+              </a:schemeClr>
+            </a:solidFill>
+            <a:ln>
+              <a:noFill/>
+            </a:ln>
+          </p:spPr>
+          <p:style>
+            <a:lnRef idx="2">
+              <a:schemeClr val="accent1">
+                <a:shade val="50000"/>
+              </a:schemeClr>
+            </a:lnRef>
+            <a:fillRef idx="1">
+              <a:schemeClr val="accent1"/>
+            </a:fillRef>
+            <a:effectRef idx="0">
+              <a:schemeClr val="accent1"/>
+            </a:effectRef>
+            <a:fontRef idx="minor">
+              <a:schemeClr val="lt1"/>
+            </a:fontRef>
+          </p:style>
+          <p:txBody>
+            <a:bodyPr rtlCol="0" anchor="ctr"/>
+            <a:lstStyle/>
+            <a:p>
+              <a:pPr algn="ctr"/>
+              <a:endParaRPr lang="de-CH"/>
+            </a:p>
+          </p:txBody>
+        </p:sp>
+      </p:grpSp>
+      <p:grpSp>
+        <p:nvGrpSpPr>
+          <p:cNvPr id="10" name="Gruppieren 9"/>
+          <p:cNvGrpSpPr/>
+          <p:nvPr/>
+        </p:nvGrpSpPr>
+        <p:grpSpPr>
+          <a:xfrm rot="10800000">
+            <a:off x="10481785" y="4949755"/>
+            <a:ext cx="2547696" cy="2454415"/>
+            <a:chOff x="-880822" y="-634354"/>
+            <a:chExt cx="2547696" cy="2454415"/>
+          </a:xfrm>
+        </p:grpSpPr>
+        <p:sp>
+          <p:nvSpPr>
+            <p:cNvPr id="11" name="Rechteck 10"/>
+            <p:cNvSpPr/>
+            <p:nvPr/>
+          </p:nvSpPr>
+          <p:spPr>
+            <a:xfrm rot="739975">
+              <a:off x="314324" y="-332581"/>
+              <a:ext cx="1352550" cy="1095375"/>
+            </a:xfrm>
+            <a:prstGeom prst="rect">
+              <a:avLst/>
+            </a:prstGeom>
+            <a:solidFill>
+              <a:schemeClr val="bg2">
+                <a:lumMod val="90000"/>
+              </a:schemeClr>
+            </a:solidFill>
+            <a:ln>
+              <a:noFill/>
+            </a:ln>
+          </p:spPr>
+          <p:style>
+            <a:lnRef idx="2">
+              <a:schemeClr val="accent1">
+                <a:shade val="50000"/>
+              </a:schemeClr>
+            </a:lnRef>
+            <a:fillRef idx="1">
+              <a:schemeClr val="accent1"/>
+            </a:fillRef>
+            <a:effectRef idx="0">
+              <a:schemeClr val="accent1"/>
+            </a:effectRef>
+            <a:fontRef idx="minor">
+              <a:schemeClr val="lt1"/>
+            </a:fontRef>
+          </p:style>
+          <p:txBody>
+            <a:bodyPr rtlCol="0" anchor="ctr"/>
+            <a:lstStyle/>
+            <a:p>
+              <a:pPr algn="ctr"/>
+              <a:endParaRPr lang="de-CH"/>
+            </a:p>
+          </p:txBody>
+        </p:sp>
+        <p:sp>
+          <p:nvSpPr>
+            <p:cNvPr id="12" name="Rechteck 11"/>
+            <p:cNvSpPr/>
+            <p:nvPr/>
+          </p:nvSpPr>
+          <p:spPr>
+            <a:xfrm rot="12449877">
+              <a:off x="-880822" y="-634354"/>
+              <a:ext cx="1962150" cy="1619548"/>
+            </a:xfrm>
+            <a:prstGeom prst="rect">
+              <a:avLst/>
+            </a:prstGeom>
+            <a:solidFill>
+              <a:schemeClr val="tx1">
+                <a:lumMod val="65000"/>
+                <a:lumOff val="35000"/>
+              </a:schemeClr>
+            </a:solidFill>
+            <a:ln>
+              <a:noFill/>
+            </a:ln>
+          </p:spPr>
+          <p:style>
+            <a:lnRef idx="2">
+              <a:schemeClr val="accent1">
+                <a:shade val="50000"/>
+              </a:schemeClr>
+            </a:lnRef>
+            <a:fillRef idx="1">
+              <a:schemeClr val="accent1"/>
+            </a:fillRef>
+            <a:effectRef idx="0">
+              <a:schemeClr val="accent1"/>
+            </a:effectRef>
+            <a:fontRef idx="minor">
+              <a:schemeClr val="lt1"/>
+            </a:fontRef>
+          </p:style>
+          <p:txBody>
+            <a:bodyPr rtlCol="0" anchor="ctr"/>
+            <a:lstStyle/>
+            <a:p>
+              <a:pPr algn="ctr"/>
+              <a:endParaRPr lang="de-CH"/>
+            </a:p>
+          </p:txBody>
+        </p:sp>
+        <p:sp>
+          <p:nvSpPr>
+            <p:cNvPr id="13" name="Rechteck 12"/>
+            <p:cNvSpPr/>
+            <p:nvPr/>
+          </p:nvSpPr>
+          <p:spPr>
+            <a:xfrm rot="657888">
+              <a:off x="-317086" y="-265914"/>
+              <a:ext cx="811059" cy="2085975"/>
+            </a:xfrm>
+            <a:prstGeom prst="rect">
+              <a:avLst/>
+            </a:prstGeom>
+            <a:solidFill>
+              <a:schemeClr val="bg1">
+                <a:lumMod val="65000"/>
+              </a:schemeClr>
+            </a:solidFill>
+            <a:ln>
+              <a:noFill/>
+            </a:ln>
+          </p:spPr>
+          <p:style>
+            <a:lnRef idx="2">
+              <a:schemeClr val="accent1">
+                <a:shade val="50000"/>
+              </a:schemeClr>
+            </a:lnRef>
+            <a:fillRef idx="1">
+              <a:schemeClr val="accent1"/>
+            </a:fillRef>
+            <a:effectRef idx="0">
+              <a:schemeClr val="accent1"/>
+            </a:effectRef>
+            <a:fontRef idx="minor">
+              <a:schemeClr val="lt1"/>
+            </a:fontRef>
+          </p:style>
+          <p:txBody>
+            <a:bodyPr rtlCol="0" anchor="ctr"/>
+            <a:lstStyle/>
+            <a:p>
+              <a:pPr algn="ctr"/>
+              <a:endParaRPr lang="de-CH"/>
+            </a:p>
+          </p:txBody>
+        </p:sp>
+      </p:grpSp>
+    </p:spTree>
+    <p:extLst>
+      <p:ext uri="{BB962C8B-B14F-4D97-AF65-F5344CB8AC3E}">
+        <p14:creationId xmlns:p14="http://schemas.microsoft.com/office/powerpoint/2010/main" val="2880960625"/>
+      </p:ext>
+    </p:extLst>
+  </p:cSld>
+  <p:clrMapOvr>
+    <a:masterClrMapping/>
+  </p:clrMapOvr>
+  <p:transition spd="slow">
+    <p:wipe/>
+  </p:transition>
+  <p:timing>
+    <p:tnLst>
+      <p:par>
+        <p:cTn id="1" dur="indefinite" restart="never" nodeType="tmRoot"/>
+      </p:par>
+    </p:tnLst>
+  </p:timing>
+</p:sld>
+</file>
+
+<file path=ppt/slides/slide7.xml><?xml version="1.0" encoding="utf-8"?>
+<p:sld xmlns:a="http://schemas.openxmlformats.org/drawingml/2006/main" xmlns:r="http://schemas.openxmlformats.org/officeDocument/2006/relationships" xmlns:p="http://schemas.openxmlformats.org/presentationml/2006/main">
+  <p:cSld>
+    <p:bg>
+      <p:bgPr>
+        <a:gradFill flip="none" rotWithShape="1">
+          <a:gsLst>
+            <a:gs pos="100000">
+              <a:schemeClr val="bg1"/>
+            </a:gs>
+            <a:gs pos="0">
+              <a:schemeClr val="bg1"/>
+            </a:gs>
+          </a:gsLst>
+          <a:lin ang="5400000" scaled="0"/>
+          <a:tileRect/>
+        </a:gradFill>
+        <a:effectLst/>
+      </p:bgPr>
+    </p:bg>
+    <p:spTree>
+      <p:nvGrpSpPr>
+        <p:cNvPr id="1" name=""/>
+        <p:cNvGrpSpPr/>
+        <p:nvPr/>
+      </p:nvGrpSpPr>
+      <p:grpSpPr>
+        <a:xfrm>
+          <a:off x="0" y="0"/>
+          <a:ext cx="0" cy="0"/>
+          <a:chOff x="0" y="0"/>
+          <a:chExt cx="0" cy="0"/>
+        </a:xfrm>
+      </p:grpSpPr>
+      <p:sp>
+        <p:nvSpPr>
+          <p:cNvPr id="2" name="Titel 1"/>
+          <p:cNvSpPr>
+            <a:spLocks noGrp="1"/>
+          </p:cNvSpPr>
+          <p:nvPr>
+            <p:ph type="title"/>
+          </p:nvPr>
+        </p:nvSpPr>
+        <p:spPr/>
+        <p:txBody>
+          <a:bodyPr/>
+          <a:lstStyle/>
+          <a:p>
+            <a:pPr algn="ctr"/>
             <a:r>
               <a:rPr lang="de-CH" b="1" dirty="0">
                 <a:latin typeface="Lora" panose="00000500000000000000" pitchFamily="2" charset="0"/>
               </a:rPr>
-              <a:t> </a:t>
-            </a:r>
-            <a:r>
-              <a:rPr lang="de-CH" b="1" dirty="0" err="1">
+              <a:t>Lessons </a:t>
+            </a:r>
+            <a:r>
+              <a:rPr lang="de-CH" b="1" dirty="0" smtClean="0">
                 <a:latin typeface="Lora" panose="00000500000000000000" pitchFamily="2" charset="0"/>
               </a:rPr>
-              <a:t>learned</a:t>
+              <a:t>learned / Fazit</a:t>
             </a:r>
             <a:endParaRPr lang="de-CH" dirty="0"/>
           </a:p>
@@ -3621,11 +5921,79 @@
           <a:bodyPr/>
           <a:lstStyle/>
           <a:p>
+            <a:pPr>
+              <a:lnSpc>
+                <a:spcPct val="150000"/>
+              </a:lnSpc>
+            </a:pPr>
             <a:r>
               <a:rPr lang="de-CH" dirty="0" smtClean="0">
                 <a:latin typeface="Titillium" panose="00000500000000000000" pitchFamily="50" charset="0"/>
               </a:rPr>
-              <a:t>g</a:t>
+              <a:t>Gegenseitiges Lernen</a:t>
+            </a:r>
+          </a:p>
+          <a:p>
+            <a:pPr>
+              <a:lnSpc>
+                <a:spcPct val="150000"/>
+              </a:lnSpc>
+            </a:pPr>
+            <a:r>
+              <a:rPr lang="de-CH" dirty="0" smtClean="0">
+                <a:latin typeface="Titillium" panose="00000500000000000000" pitchFamily="50" charset="0"/>
+              </a:rPr>
+              <a:t>Gantt-Diagramm / </a:t>
+            </a:r>
+            <a:r>
+              <a:rPr lang="de-CH" dirty="0" err="1" smtClean="0">
+                <a:latin typeface="Titillium" panose="00000500000000000000" pitchFamily="50" charset="0"/>
+              </a:rPr>
+              <a:t>Scrum</a:t>
+            </a:r>
+            <a:r>
+              <a:rPr lang="de-CH" dirty="0" smtClean="0">
+                <a:latin typeface="Titillium" panose="00000500000000000000" pitchFamily="50" charset="0"/>
+              </a:rPr>
+              <a:t>-Diagramm</a:t>
+            </a:r>
+          </a:p>
+          <a:p>
+            <a:pPr>
+              <a:lnSpc>
+                <a:spcPct val="150000"/>
+              </a:lnSpc>
+            </a:pPr>
+            <a:r>
+              <a:rPr lang="de-CH" dirty="0" smtClean="0">
+                <a:latin typeface="Titillium" panose="00000500000000000000" pitchFamily="50" charset="0"/>
+              </a:rPr>
+              <a:t>RMI</a:t>
+            </a:r>
+          </a:p>
+          <a:p>
+            <a:pPr>
+              <a:lnSpc>
+                <a:spcPct val="150000"/>
+              </a:lnSpc>
+            </a:pPr>
+            <a:r>
+              <a:rPr lang="de-CH" dirty="0" err="1" smtClean="0">
+                <a:latin typeface="Titillium" panose="00000500000000000000" pitchFamily="50" charset="0"/>
+              </a:rPr>
+              <a:t>JUnit</a:t>
+            </a:r>
+            <a:r>
+              <a:rPr lang="de-CH" dirty="0">
+                <a:latin typeface="Titillium" panose="00000500000000000000" pitchFamily="50" charset="0"/>
+              </a:rPr>
+              <a:t>-</a:t>
+            </a:r>
+            <a:r>
+              <a:rPr lang="de-CH" dirty="0" smtClean="0">
+                <a:latin typeface="Titillium" panose="00000500000000000000" pitchFamily="50" charset="0"/>
+              </a:rPr>
+              <a:t>Test</a:t>
             </a:r>
             <a:endParaRPr lang="de-CH" dirty="0">
               <a:latin typeface="Titillium" panose="00000500000000000000" pitchFamily="50" charset="0"/>
@@ -3633,6 +6001,207 @@
           </a:p>
         </p:txBody>
       </p:sp>
+      <p:pic>
+        <p:nvPicPr>
+          <p:cNvPr id="1026" name="Picture 2" descr="Bildergebnis für lessons learned"/>
+          <p:cNvPicPr>
+            <a:picLocks noChangeAspect="1" noChangeArrowheads="1"/>
+          </p:cNvPicPr>
+          <p:nvPr/>
+        </p:nvPicPr>
+        <p:blipFill>
+          <a:blip r:embed="rId2">
+            <a:extLst>
+              <a:ext uri="{28A0092B-C50C-407E-A947-70E740481C1C}">
+                <a14:useLocalDpi xmlns:a14="http://schemas.microsoft.com/office/drawing/2010/main" val="0"/>
+              </a:ext>
+            </a:extLst>
+          </a:blip>
+          <a:srcRect/>
+          <a:stretch>
+            <a:fillRect/>
+          </a:stretch>
+        </p:blipFill>
+        <p:spPr bwMode="auto">
+          <a:xfrm>
+            <a:off x="8731250" y="4471524"/>
+            <a:ext cx="3460750" cy="2386476"/>
+          </a:xfrm>
+          <a:prstGeom prst="rect">
+            <a:avLst/>
+          </a:prstGeom>
+          <a:noFill/>
+          <a:extLst>
+            <a:ext uri="{909E8E84-426E-40DD-AFC4-6F175D3DCCD1}">
+              <a14:hiddenFill xmlns:a14="http://schemas.microsoft.com/office/drawing/2010/main">
+                <a:solidFill>
+                  <a:srgbClr val="FFFFFF"/>
+                </a:solidFill>
+              </a14:hiddenFill>
+            </a:ext>
+          </a:extLst>
+        </p:spPr>
+      </p:pic>
+      <p:grpSp>
+        <p:nvGrpSpPr>
+          <p:cNvPr id="5" name="Gruppieren 4"/>
+          <p:cNvGrpSpPr/>
+          <p:nvPr/>
+        </p:nvGrpSpPr>
+        <p:grpSpPr>
+          <a:xfrm>
+            <a:off x="-699847" y="-520054"/>
+            <a:ext cx="2547696" cy="2454415"/>
+            <a:chOff x="-880822" y="-634354"/>
+            <a:chExt cx="2547696" cy="2454415"/>
+          </a:xfrm>
+        </p:grpSpPr>
+        <p:sp>
+          <p:nvSpPr>
+            <p:cNvPr id="6" name="Rechteck 5"/>
+            <p:cNvSpPr/>
+            <p:nvPr/>
+          </p:nvSpPr>
+          <p:spPr>
+            <a:xfrm rot="739975">
+              <a:off x="314324" y="-332581"/>
+              <a:ext cx="1352550" cy="1095375"/>
+            </a:xfrm>
+            <a:prstGeom prst="rect">
+              <a:avLst/>
+            </a:prstGeom>
+            <a:solidFill>
+              <a:schemeClr val="bg2">
+                <a:lumMod val="90000"/>
+              </a:schemeClr>
+            </a:solidFill>
+            <a:ln>
+              <a:noFill/>
+            </a:ln>
+          </p:spPr>
+          <p:style>
+            <a:lnRef idx="2">
+              <a:schemeClr val="accent1">
+                <a:shade val="50000"/>
+              </a:schemeClr>
+            </a:lnRef>
+            <a:fillRef idx="1">
+              <a:schemeClr val="accent1"/>
+            </a:fillRef>
+            <a:effectRef idx="0">
+              <a:schemeClr val="accent1"/>
+            </a:effectRef>
+            <a:fontRef idx="minor">
+              <a:schemeClr val="lt1"/>
+            </a:fontRef>
+          </p:style>
+          <p:txBody>
+            <a:bodyPr rtlCol="0" anchor="ctr"/>
+            <a:lstStyle/>
+            <a:p>
+              <a:pPr algn="ctr"/>
+              <a:endParaRPr lang="de-CH"/>
+            </a:p>
+          </p:txBody>
+        </p:sp>
+        <p:sp>
+          <p:nvSpPr>
+            <p:cNvPr id="7" name="Rechteck 6"/>
+            <p:cNvSpPr/>
+            <p:nvPr/>
+          </p:nvSpPr>
+          <p:spPr>
+            <a:xfrm rot="12449877">
+              <a:off x="-880822" y="-634354"/>
+              <a:ext cx="1962150" cy="1619548"/>
+            </a:xfrm>
+            <a:prstGeom prst="rect">
+              <a:avLst/>
+            </a:prstGeom>
+            <a:solidFill>
+              <a:schemeClr val="tx1">
+                <a:lumMod val="65000"/>
+                <a:lumOff val="35000"/>
+              </a:schemeClr>
+            </a:solidFill>
+            <a:ln>
+              <a:noFill/>
+            </a:ln>
+          </p:spPr>
+          <p:style>
+            <a:lnRef idx="2">
+              <a:schemeClr val="accent1">
+                <a:shade val="50000"/>
+              </a:schemeClr>
+            </a:lnRef>
+            <a:fillRef idx="1">
+              <a:schemeClr val="accent1"/>
+            </a:fillRef>
+            <a:effectRef idx="0">
+              <a:schemeClr val="accent1"/>
+            </a:effectRef>
+            <a:fontRef idx="minor">
+              <a:schemeClr val="lt1"/>
+            </a:fontRef>
+          </p:style>
+          <p:txBody>
+            <a:bodyPr rtlCol="0" anchor="ctr"/>
+            <a:lstStyle/>
+            <a:p>
+              <a:pPr algn="ctr"/>
+              <a:endParaRPr lang="de-CH"/>
+            </a:p>
+          </p:txBody>
+        </p:sp>
+        <p:sp>
+          <p:nvSpPr>
+            <p:cNvPr id="8" name="Rechteck 7"/>
+            <p:cNvSpPr/>
+            <p:nvPr/>
+          </p:nvSpPr>
+          <p:spPr>
+            <a:xfrm rot="657888">
+              <a:off x="-317086" y="-265914"/>
+              <a:ext cx="811059" cy="2085975"/>
+            </a:xfrm>
+            <a:prstGeom prst="rect">
+              <a:avLst/>
+            </a:prstGeom>
+            <a:solidFill>
+              <a:schemeClr val="bg1">
+                <a:lumMod val="65000"/>
+              </a:schemeClr>
+            </a:solidFill>
+            <a:ln>
+              <a:noFill/>
+            </a:ln>
+          </p:spPr>
+          <p:style>
+            <a:lnRef idx="2">
+              <a:schemeClr val="accent1">
+                <a:shade val="50000"/>
+              </a:schemeClr>
+            </a:lnRef>
+            <a:fillRef idx="1">
+              <a:schemeClr val="accent1"/>
+            </a:fillRef>
+            <a:effectRef idx="0">
+              <a:schemeClr val="accent1"/>
+            </a:effectRef>
+            <a:fontRef idx="minor">
+              <a:schemeClr val="lt1"/>
+            </a:fontRef>
+          </p:style>
+          <p:txBody>
+            <a:bodyPr rtlCol="0" anchor="ctr"/>
+            <a:lstStyle/>
+            <a:p>
+              <a:pPr algn="ctr"/>
+              <a:endParaRPr lang="de-CH"/>
+            </a:p>
+          </p:txBody>
+        </p:sp>
+      </p:grpSp>
     </p:spTree>
     <p:extLst>
       <p:ext uri="{BB962C8B-B14F-4D97-AF65-F5344CB8AC3E}">
@@ -3643,12 +6212,39 @@
   <p:clrMapOvr>
     <a:masterClrMapping/>
   </p:clrMapOvr>
+  <p:transition spd="slow">
+    <p:wipe/>
+  </p:transition>
+  <p:timing>
+    <p:tnLst>
+      <p:par>
+        <p:cTn id="1" dur="indefinite" restart="never" nodeType="tmRoot"/>
+      </p:par>
+    </p:tnLst>
+  </p:timing>
 </p:sld>
 </file>
 
-<file path=ppt/slides/slide6.xml><?xml version="1.0" encoding="utf-8"?>
+<file path=ppt/slides/slide8.xml><?xml version="1.0" encoding="utf-8"?>
 <p:sld xmlns:a="http://schemas.openxmlformats.org/drawingml/2006/main" xmlns:r="http://schemas.openxmlformats.org/officeDocument/2006/relationships" xmlns:p="http://schemas.openxmlformats.org/presentationml/2006/main">
   <p:cSld>
+    <p:bg>
+      <p:bgPr>
+        <a:gradFill flip="none" rotWithShape="1">
+          <a:gsLst>
+            <a:gs pos="100000">
+              <a:schemeClr val="bg1"/>
+            </a:gs>
+            <a:gs pos="0">
+              <a:schemeClr val="bg1"/>
+            </a:gs>
+          </a:gsLst>
+          <a:lin ang="5400000" scaled="0"/>
+          <a:tileRect/>
+        </a:gradFill>
+        <a:effectLst/>
+      </p:bgPr>
+    </p:bg>
     <p:spTree>
       <p:nvGrpSpPr>
         <p:cNvPr id="1" name=""/>
@@ -3719,7 +6315,7 @@
         <p:spPr>
           <a:xfrm>
             <a:off x="5749445" y="1494213"/>
-            <a:ext cx="5913175" cy="5050838"/>
+            <a:ext cx="5604355" cy="4787054"/>
           </a:xfrm>
           <a:prstGeom prst="rect">
             <a:avLst/>
@@ -3748,7 +6344,7 @@
         </p:blipFill>
         <p:spPr>
           <a:xfrm>
-            <a:off x="654640" y="1920098"/>
+            <a:off x="838200" y="2368340"/>
             <a:ext cx="4665488" cy="1598847"/>
           </a:xfrm>
           <a:prstGeom prst="rect">
@@ -3756,6 +6352,196 @@
           </a:prstGeom>
         </p:spPr>
       </p:pic>
+      <p:pic>
+        <p:nvPicPr>
+          <p:cNvPr id="4" name="Grafik 3"/>
+          <p:cNvPicPr>
+            <a:picLocks noChangeAspect="1"/>
+          </p:cNvPicPr>
+          <p:nvPr/>
+        </p:nvPicPr>
+        <p:blipFill>
+          <a:blip r:embed="rId4" cstate="print">
+            <a:extLst>
+              <a:ext uri="{28A0092B-C50C-407E-A947-70E740481C1C}">
+                <a14:useLocalDpi xmlns:a14="http://schemas.microsoft.com/office/drawing/2010/main" val="0"/>
+              </a:ext>
+            </a:extLst>
+          </a:blip>
+          <a:stretch>
+            <a:fillRect/>
+          </a:stretch>
+        </p:blipFill>
+        <p:spPr>
+          <a:xfrm rot="20855037">
+            <a:off x="284816" y="262708"/>
+            <a:ext cx="2598182" cy="1420339"/>
+          </a:xfrm>
+          <a:prstGeom prst="rect">
+            <a:avLst/>
+          </a:prstGeom>
+        </p:spPr>
+      </p:pic>
+      <p:grpSp>
+        <p:nvGrpSpPr>
+          <p:cNvPr id="6" name="Gruppieren 5"/>
+          <p:cNvGrpSpPr/>
+          <p:nvPr/>
+        </p:nvGrpSpPr>
+        <p:grpSpPr>
+          <a:xfrm rot="14785383">
+            <a:off x="-509347" y="5242571"/>
+            <a:ext cx="2547696" cy="2454415"/>
+            <a:chOff x="-880822" y="-634354"/>
+            <a:chExt cx="2547696" cy="2454415"/>
+          </a:xfrm>
+        </p:grpSpPr>
+        <p:sp>
+          <p:nvSpPr>
+            <p:cNvPr id="7" name="Rechteck 6"/>
+            <p:cNvSpPr/>
+            <p:nvPr/>
+          </p:nvSpPr>
+          <p:spPr>
+            <a:xfrm rot="739975">
+              <a:off x="314324" y="-332581"/>
+              <a:ext cx="1352550" cy="1095375"/>
+            </a:xfrm>
+            <a:prstGeom prst="rect">
+              <a:avLst/>
+            </a:prstGeom>
+            <a:solidFill>
+              <a:schemeClr val="bg2">
+                <a:lumMod val="90000"/>
+              </a:schemeClr>
+            </a:solidFill>
+            <a:ln>
+              <a:noFill/>
+            </a:ln>
+          </p:spPr>
+          <p:style>
+            <a:lnRef idx="2">
+              <a:schemeClr val="accent1">
+                <a:shade val="50000"/>
+              </a:schemeClr>
+            </a:lnRef>
+            <a:fillRef idx="1">
+              <a:schemeClr val="accent1"/>
+            </a:fillRef>
+            <a:effectRef idx="0">
+              <a:schemeClr val="accent1"/>
+            </a:effectRef>
+            <a:fontRef idx="minor">
+              <a:schemeClr val="lt1"/>
+            </a:fontRef>
+          </p:style>
+          <p:txBody>
+            <a:bodyPr rtlCol="0" anchor="ctr"/>
+            <a:lstStyle/>
+            <a:p>
+              <a:pPr algn="ctr"/>
+              <a:endParaRPr lang="de-CH"/>
+            </a:p>
+          </p:txBody>
+        </p:sp>
+        <p:sp>
+          <p:nvSpPr>
+            <p:cNvPr id="8" name="Rechteck 7"/>
+            <p:cNvSpPr/>
+            <p:nvPr/>
+          </p:nvSpPr>
+          <p:spPr>
+            <a:xfrm rot="12449877">
+              <a:off x="-880822" y="-634354"/>
+              <a:ext cx="1962150" cy="1619548"/>
+            </a:xfrm>
+            <a:prstGeom prst="rect">
+              <a:avLst/>
+            </a:prstGeom>
+            <a:solidFill>
+              <a:schemeClr val="tx1">
+                <a:lumMod val="65000"/>
+                <a:lumOff val="35000"/>
+              </a:schemeClr>
+            </a:solidFill>
+            <a:ln>
+              <a:noFill/>
+            </a:ln>
+          </p:spPr>
+          <p:style>
+            <a:lnRef idx="2">
+              <a:schemeClr val="accent1">
+                <a:shade val="50000"/>
+              </a:schemeClr>
+            </a:lnRef>
+            <a:fillRef idx="1">
+              <a:schemeClr val="accent1"/>
+            </a:fillRef>
+            <a:effectRef idx="0">
+              <a:schemeClr val="accent1"/>
+            </a:effectRef>
+            <a:fontRef idx="minor">
+              <a:schemeClr val="lt1"/>
+            </a:fontRef>
+          </p:style>
+          <p:txBody>
+            <a:bodyPr rtlCol="0" anchor="ctr"/>
+            <a:lstStyle/>
+            <a:p>
+              <a:pPr algn="ctr"/>
+              <a:endParaRPr lang="de-CH"/>
+            </a:p>
+          </p:txBody>
+        </p:sp>
+        <p:sp>
+          <p:nvSpPr>
+            <p:cNvPr id="9" name="Rechteck 8"/>
+            <p:cNvSpPr/>
+            <p:nvPr/>
+          </p:nvSpPr>
+          <p:spPr>
+            <a:xfrm rot="657888">
+              <a:off x="-317086" y="-265914"/>
+              <a:ext cx="811059" cy="2085975"/>
+            </a:xfrm>
+            <a:prstGeom prst="rect">
+              <a:avLst/>
+            </a:prstGeom>
+            <a:solidFill>
+              <a:schemeClr val="bg1">
+                <a:lumMod val="65000"/>
+              </a:schemeClr>
+            </a:solidFill>
+            <a:ln>
+              <a:noFill/>
+            </a:ln>
+          </p:spPr>
+          <p:style>
+            <a:lnRef idx="2">
+              <a:schemeClr val="accent1">
+                <a:shade val="50000"/>
+              </a:schemeClr>
+            </a:lnRef>
+            <a:fillRef idx="1">
+              <a:schemeClr val="accent1"/>
+            </a:fillRef>
+            <a:effectRef idx="0">
+              <a:schemeClr val="accent1"/>
+            </a:effectRef>
+            <a:fontRef idx="minor">
+              <a:schemeClr val="lt1"/>
+            </a:fontRef>
+          </p:style>
+          <p:txBody>
+            <a:bodyPr rtlCol="0" anchor="ctr"/>
+            <a:lstStyle/>
+            <a:p>
+              <a:pPr algn="ctr"/>
+              <a:endParaRPr lang="de-CH"/>
+            </a:p>
+          </p:txBody>
+        </p:sp>
+      </p:grpSp>
     </p:spTree>
     <p:extLst>
       <p:ext uri="{BB962C8B-B14F-4D97-AF65-F5344CB8AC3E}">
@@ -3766,12 +6552,39 @@
   <p:clrMapOvr>
     <a:masterClrMapping/>
   </p:clrMapOvr>
+  <p:transition spd="slow">
+    <p:wipe/>
+  </p:transition>
+  <p:timing>
+    <p:tnLst>
+      <p:par>
+        <p:cTn id="1" dur="indefinite" restart="never" nodeType="tmRoot"/>
+      </p:par>
+    </p:tnLst>
+  </p:timing>
 </p:sld>
 </file>
 
-<file path=ppt/slides/slide7.xml><?xml version="1.0" encoding="utf-8"?>
+<file path=ppt/slides/slide9.xml><?xml version="1.0" encoding="utf-8"?>
 <p:sld xmlns:a="http://schemas.openxmlformats.org/drawingml/2006/main" xmlns:r="http://schemas.openxmlformats.org/officeDocument/2006/relationships" xmlns:p="http://schemas.openxmlformats.org/presentationml/2006/main">
   <p:cSld>
+    <p:bg>
+      <p:bgPr>
+        <a:gradFill flip="none" rotWithShape="1">
+          <a:gsLst>
+            <a:gs pos="100000">
+              <a:schemeClr val="bg1"/>
+            </a:gs>
+            <a:gs pos="0">
+              <a:schemeClr val="bg1"/>
+            </a:gs>
+          </a:gsLst>
+          <a:lin ang="5400000" scaled="0"/>
+          <a:tileRect/>
+        </a:gradFill>
+        <a:effectLst/>
+      </p:bgPr>
+    </p:bg>
     <p:spTree>
       <p:nvGrpSpPr>
         <p:cNvPr id="1" name=""/>
@@ -3823,6 +6636,576 @@
           </a:p>
         </p:txBody>
       </p:sp>
+      <p:pic>
+        <p:nvPicPr>
+          <p:cNvPr id="4" name="Grafik 3"/>
+          <p:cNvPicPr>
+            <a:picLocks noChangeAspect="1"/>
+          </p:cNvPicPr>
+          <p:nvPr/>
+        </p:nvPicPr>
+        <p:blipFill>
+          <a:blip r:embed="rId2" cstate="print">
+            <a:extLst>
+              <a:ext uri="{28A0092B-C50C-407E-A947-70E740481C1C}">
+                <a14:useLocalDpi xmlns:a14="http://schemas.microsoft.com/office/drawing/2010/main" val="0"/>
+              </a:ext>
+            </a:extLst>
+          </a:blip>
+          <a:stretch>
+            <a:fillRect/>
+          </a:stretch>
+        </p:blipFill>
+        <p:spPr>
+          <a:xfrm rot="979515">
+            <a:off x="3353520" y="1800418"/>
+            <a:ext cx="1512570" cy="860579"/>
+          </a:xfrm>
+          <a:prstGeom prst="rect">
+            <a:avLst/>
+          </a:prstGeom>
+        </p:spPr>
+      </p:pic>
+      <p:pic>
+        <p:nvPicPr>
+          <p:cNvPr id="5" name="Grafik 4"/>
+          <p:cNvPicPr>
+            <a:picLocks noChangeAspect="1"/>
+          </p:cNvPicPr>
+          <p:nvPr/>
+        </p:nvPicPr>
+        <p:blipFill>
+          <a:blip r:embed="rId2" cstate="print">
+            <a:extLst>
+              <a:ext uri="{28A0092B-C50C-407E-A947-70E740481C1C}">
+                <a14:useLocalDpi xmlns:a14="http://schemas.microsoft.com/office/drawing/2010/main" val="0"/>
+              </a:ext>
+            </a:extLst>
+          </a:blip>
+          <a:stretch>
+            <a:fillRect/>
+          </a:stretch>
+        </p:blipFill>
+        <p:spPr>
+          <a:xfrm>
+            <a:off x="1833967" y="1970848"/>
+            <a:ext cx="1512570" cy="860579"/>
+          </a:xfrm>
+          <a:prstGeom prst="rect">
+            <a:avLst/>
+          </a:prstGeom>
+        </p:spPr>
+      </p:pic>
+      <p:pic>
+        <p:nvPicPr>
+          <p:cNvPr id="6" name="Grafik 5"/>
+          <p:cNvPicPr>
+            <a:picLocks noChangeAspect="1"/>
+          </p:cNvPicPr>
+          <p:nvPr/>
+        </p:nvPicPr>
+        <p:blipFill>
+          <a:blip r:embed="rId2" cstate="print">
+            <a:extLst>
+              <a:ext uri="{28A0092B-C50C-407E-A947-70E740481C1C}">
+                <a14:useLocalDpi xmlns:a14="http://schemas.microsoft.com/office/drawing/2010/main" val="0"/>
+              </a:ext>
+            </a:extLst>
+          </a:blip>
+          <a:stretch>
+            <a:fillRect/>
+          </a:stretch>
+        </p:blipFill>
+        <p:spPr>
+          <a:xfrm rot="21178000">
+            <a:off x="10378685" y="246466"/>
+            <a:ext cx="1512570" cy="860579"/>
+          </a:xfrm>
+          <a:prstGeom prst="rect">
+            <a:avLst/>
+          </a:prstGeom>
+        </p:spPr>
+      </p:pic>
+      <p:pic>
+        <p:nvPicPr>
+          <p:cNvPr id="7" name="Grafik 6"/>
+          <p:cNvPicPr>
+            <a:picLocks noChangeAspect="1"/>
+          </p:cNvPicPr>
+          <p:nvPr/>
+        </p:nvPicPr>
+        <p:blipFill>
+          <a:blip r:embed="rId2" cstate="print">
+            <a:extLst>
+              <a:ext uri="{28A0092B-C50C-407E-A947-70E740481C1C}">
+                <a14:useLocalDpi xmlns:a14="http://schemas.microsoft.com/office/drawing/2010/main" val="0"/>
+              </a:ext>
+            </a:extLst>
+          </a:blip>
+          <a:stretch>
+            <a:fillRect/>
+          </a:stretch>
+        </p:blipFill>
+        <p:spPr>
+          <a:xfrm>
+            <a:off x="0" y="303507"/>
+            <a:ext cx="1512570" cy="860579"/>
+          </a:xfrm>
+          <a:prstGeom prst="rect">
+            <a:avLst/>
+          </a:prstGeom>
+        </p:spPr>
+      </p:pic>
+      <p:pic>
+        <p:nvPicPr>
+          <p:cNvPr id="8" name="Grafik 7"/>
+          <p:cNvPicPr>
+            <a:picLocks noChangeAspect="1"/>
+          </p:cNvPicPr>
+          <p:nvPr/>
+        </p:nvPicPr>
+        <p:blipFill>
+          <a:blip r:embed="rId2" cstate="print">
+            <a:extLst>
+              <a:ext uri="{28A0092B-C50C-407E-A947-70E740481C1C}">
+                <a14:useLocalDpi xmlns:a14="http://schemas.microsoft.com/office/drawing/2010/main" val="0"/>
+              </a:ext>
+            </a:extLst>
+          </a:blip>
+          <a:stretch>
+            <a:fillRect/>
+          </a:stretch>
+        </p:blipFill>
+        <p:spPr>
+          <a:xfrm rot="10800000">
+            <a:off x="2655570" y="109990"/>
+            <a:ext cx="1512570" cy="860579"/>
+          </a:xfrm>
+          <a:prstGeom prst="rect">
+            <a:avLst/>
+          </a:prstGeom>
+        </p:spPr>
+      </p:pic>
+      <p:pic>
+        <p:nvPicPr>
+          <p:cNvPr id="9" name="Grafik 8"/>
+          <p:cNvPicPr>
+            <a:picLocks noChangeAspect="1"/>
+          </p:cNvPicPr>
+          <p:nvPr/>
+        </p:nvPicPr>
+        <p:blipFill>
+          <a:blip r:embed="rId2" cstate="print">
+            <a:extLst>
+              <a:ext uri="{28A0092B-C50C-407E-A947-70E740481C1C}">
+                <a14:useLocalDpi xmlns:a14="http://schemas.microsoft.com/office/drawing/2010/main" val="0"/>
+              </a:ext>
+            </a:extLst>
+          </a:blip>
+          <a:stretch>
+            <a:fillRect/>
+          </a:stretch>
+        </p:blipFill>
+        <p:spPr>
+          <a:xfrm>
+            <a:off x="3263062" y="4747922"/>
+            <a:ext cx="1512570" cy="860579"/>
+          </a:xfrm>
+          <a:prstGeom prst="rect">
+            <a:avLst/>
+          </a:prstGeom>
+        </p:spPr>
+      </p:pic>
+      <p:pic>
+        <p:nvPicPr>
+          <p:cNvPr id="10" name="Grafik 9"/>
+          <p:cNvPicPr>
+            <a:picLocks noChangeAspect="1"/>
+          </p:cNvPicPr>
+          <p:nvPr/>
+        </p:nvPicPr>
+        <p:blipFill>
+          <a:blip r:embed="rId2" cstate="print">
+            <a:extLst>
+              <a:ext uri="{28A0092B-C50C-407E-A947-70E740481C1C}">
+                <a14:useLocalDpi xmlns:a14="http://schemas.microsoft.com/office/drawing/2010/main" val="0"/>
+              </a:ext>
+            </a:extLst>
+          </a:blip>
+          <a:stretch>
+            <a:fillRect/>
+          </a:stretch>
+        </p:blipFill>
+        <p:spPr>
+          <a:xfrm>
+            <a:off x="7100180" y="365891"/>
+            <a:ext cx="1512570" cy="860579"/>
+          </a:xfrm>
+          <a:prstGeom prst="rect">
+            <a:avLst/>
+          </a:prstGeom>
+        </p:spPr>
+      </p:pic>
+      <p:pic>
+        <p:nvPicPr>
+          <p:cNvPr id="11" name="Grafik 10"/>
+          <p:cNvPicPr>
+            <a:picLocks noChangeAspect="1"/>
+          </p:cNvPicPr>
+          <p:nvPr/>
+        </p:nvPicPr>
+        <p:blipFill>
+          <a:blip r:embed="rId2" cstate="print">
+            <a:extLst>
+              <a:ext uri="{28A0092B-C50C-407E-A947-70E740481C1C}">
+                <a14:useLocalDpi xmlns:a14="http://schemas.microsoft.com/office/drawing/2010/main" val="0"/>
+              </a:ext>
+            </a:extLst>
+          </a:blip>
+          <a:stretch>
+            <a:fillRect/>
+          </a:stretch>
+        </p:blipFill>
+        <p:spPr>
+          <a:xfrm>
+            <a:off x="9856592" y="2998710"/>
+            <a:ext cx="1512570" cy="860579"/>
+          </a:xfrm>
+          <a:prstGeom prst="rect">
+            <a:avLst/>
+          </a:prstGeom>
+        </p:spPr>
+      </p:pic>
+      <p:pic>
+        <p:nvPicPr>
+          <p:cNvPr id="12" name="Grafik 11"/>
+          <p:cNvPicPr>
+            <a:picLocks noChangeAspect="1"/>
+          </p:cNvPicPr>
+          <p:nvPr/>
+        </p:nvPicPr>
+        <p:blipFill>
+          <a:blip r:embed="rId2" cstate="print">
+            <a:extLst>
+              <a:ext uri="{28A0092B-C50C-407E-A947-70E740481C1C}">
+                <a14:useLocalDpi xmlns:a14="http://schemas.microsoft.com/office/drawing/2010/main" val="0"/>
+              </a:ext>
+            </a:extLst>
+          </a:blip>
+          <a:stretch>
+            <a:fillRect/>
+          </a:stretch>
+        </p:blipFill>
+        <p:spPr>
+          <a:xfrm rot="513229">
+            <a:off x="9384030" y="1246630"/>
+            <a:ext cx="1512570" cy="860579"/>
+          </a:xfrm>
+          <a:prstGeom prst="rect">
+            <a:avLst/>
+          </a:prstGeom>
+        </p:spPr>
+      </p:pic>
+      <p:pic>
+        <p:nvPicPr>
+          <p:cNvPr id="13" name="Grafik 12"/>
+          <p:cNvPicPr>
+            <a:picLocks noChangeAspect="1"/>
+          </p:cNvPicPr>
+          <p:nvPr/>
+        </p:nvPicPr>
+        <p:blipFill>
+          <a:blip r:embed="rId2" cstate="print">
+            <a:extLst>
+              <a:ext uri="{28A0092B-C50C-407E-A947-70E740481C1C}">
+                <a14:useLocalDpi xmlns:a14="http://schemas.microsoft.com/office/drawing/2010/main" val="0"/>
+              </a:ext>
+            </a:extLst>
+          </a:blip>
+          <a:stretch>
+            <a:fillRect/>
+          </a:stretch>
+        </p:blipFill>
+        <p:spPr>
+          <a:xfrm rot="417374">
+            <a:off x="7919633" y="1566578"/>
+            <a:ext cx="1512570" cy="860579"/>
+          </a:xfrm>
+          <a:prstGeom prst="rect">
+            <a:avLst/>
+          </a:prstGeom>
+        </p:spPr>
+      </p:pic>
+      <p:pic>
+        <p:nvPicPr>
+          <p:cNvPr id="14" name="Grafik 13"/>
+          <p:cNvPicPr>
+            <a:picLocks noChangeAspect="1"/>
+          </p:cNvPicPr>
+          <p:nvPr/>
+        </p:nvPicPr>
+        <p:blipFill>
+          <a:blip r:embed="rId2" cstate="print">
+            <a:extLst>
+              <a:ext uri="{28A0092B-C50C-407E-A947-70E740481C1C}">
+                <a14:useLocalDpi xmlns:a14="http://schemas.microsoft.com/office/drawing/2010/main" val="0"/>
+              </a:ext>
+            </a:extLst>
+          </a:blip>
+          <a:stretch>
+            <a:fillRect/>
+          </a:stretch>
+        </p:blipFill>
+        <p:spPr>
+          <a:xfrm rot="21062207">
+            <a:off x="552273" y="5201241"/>
+            <a:ext cx="1512570" cy="860579"/>
+          </a:xfrm>
+          <a:prstGeom prst="rect">
+            <a:avLst/>
+          </a:prstGeom>
+        </p:spPr>
+      </p:pic>
+      <p:pic>
+        <p:nvPicPr>
+          <p:cNvPr id="15" name="Grafik 14"/>
+          <p:cNvPicPr>
+            <a:picLocks noChangeAspect="1"/>
+          </p:cNvPicPr>
+          <p:nvPr/>
+        </p:nvPicPr>
+        <p:blipFill>
+          <a:blip r:embed="rId2" cstate="print">
+            <a:extLst>
+              <a:ext uri="{28A0092B-C50C-407E-A947-70E740481C1C}">
+                <a14:useLocalDpi xmlns:a14="http://schemas.microsoft.com/office/drawing/2010/main" val="0"/>
+              </a:ext>
+            </a:extLst>
+          </a:blip>
+          <a:stretch>
+            <a:fillRect/>
+          </a:stretch>
+        </p:blipFill>
+        <p:spPr>
+          <a:xfrm rot="21329700">
+            <a:off x="10176388" y="5401083"/>
+            <a:ext cx="1512570" cy="860579"/>
+          </a:xfrm>
+          <a:prstGeom prst="rect">
+            <a:avLst/>
+          </a:prstGeom>
+        </p:spPr>
+      </p:pic>
+      <p:pic>
+        <p:nvPicPr>
+          <p:cNvPr id="16" name="Grafik 15"/>
+          <p:cNvPicPr>
+            <a:picLocks noChangeAspect="1"/>
+          </p:cNvPicPr>
+          <p:nvPr/>
+        </p:nvPicPr>
+        <p:blipFill>
+          <a:blip r:embed="rId2" cstate="print">
+            <a:extLst>
+              <a:ext uri="{28A0092B-C50C-407E-A947-70E740481C1C}">
+                <a14:useLocalDpi xmlns:a14="http://schemas.microsoft.com/office/drawing/2010/main" val="0"/>
+              </a:ext>
+            </a:extLst>
+          </a:blip>
+          <a:stretch>
+            <a:fillRect/>
+          </a:stretch>
+        </p:blipFill>
+        <p:spPr>
+          <a:xfrm rot="21346314">
+            <a:off x="4596765" y="1019614"/>
+            <a:ext cx="1512570" cy="860579"/>
+          </a:xfrm>
+          <a:prstGeom prst="rect">
+            <a:avLst/>
+          </a:prstGeom>
+        </p:spPr>
+      </p:pic>
+      <p:pic>
+        <p:nvPicPr>
+          <p:cNvPr id="17" name="Grafik 16"/>
+          <p:cNvPicPr>
+            <a:picLocks noChangeAspect="1"/>
+          </p:cNvPicPr>
+          <p:nvPr/>
+        </p:nvPicPr>
+        <p:blipFill>
+          <a:blip r:embed="rId2" cstate="print">
+            <a:extLst>
+              <a:ext uri="{28A0092B-C50C-407E-A947-70E740481C1C}">
+                <a14:useLocalDpi xmlns:a14="http://schemas.microsoft.com/office/drawing/2010/main" val="0"/>
+              </a:ext>
+            </a:extLst>
+          </a:blip>
+          <a:stretch>
+            <a:fillRect/>
+          </a:stretch>
+        </p:blipFill>
+        <p:spPr>
+          <a:xfrm rot="368561">
+            <a:off x="388123" y="2062020"/>
+            <a:ext cx="1512570" cy="860579"/>
+          </a:xfrm>
+          <a:prstGeom prst="rect">
+            <a:avLst/>
+          </a:prstGeom>
+        </p:spPr>
+      </p:pic>
+      <p:pic>
+        <p:nvPicPr>
+          <p:cNvPr id="18" name="Grafik 17"/>
+          <p:cNvPicPr>
+            <a:picLocks noChangeAspect="1"/>
+          </p:cNvPicPr>
+          <p:nvPr/>
+        </p:nvPicPr>
+        <p:blipFill>
+          <a:blip r:embed="rId2" cstate="print">
+            <a:extLst>
+              <a:ext uri="{28A0092B-C50C-407E-A947-70E740481C1C}">
+                <a14:useLocalDpi xmlns:a14="http://schemas.microsoft.com/office/drawing/2010/main" val="0"/>
+              </a:ext>
+            </a:extLst>
+          </a:blip>
+          <a:stretch>
+            <a:fillRect/>
+          </a:stretch>
+        </p:blipFill>
+        <p:spPr>
+          <a:xfrm>
+            <a:off x="6343895" y="1566578"/>
+            <a:ext cx="1512570" cy="860579"/>
+          </a:xfrm>
+          <a:prstGeom prst="rect">
+            <a:avLst/>
+          </a:prstGeom>
+        </p:spPr>
+      </p:pic>
+      <p:pic>
+        <p:nvPicPr>
+          <p:cNvPr id="19" name="Grafik 18"/>
+          <p:cNvPicPr>
+            <a:picLocks noChangeAspect="1"/>
+          </p:cNvPicPr>
+          <p:nvPr/>
+        </p:nvPicPr>
+        <p:blipFill>
+          <a:blip r:embed="rId2" cstate="print">
+            <a:extLst>
+              <a:ext uri="{28A0092B-C50C-407E-A947-70E740481C1C}">
+                <a14:useLocalDpi xmlns:a14="http://schemas.microsoft.com/office/drawing/2010/main" val="0"/>
+              </a:ext>
+            </a:extLst>
+          </a:blip>
+          <a:stretch>
+            <a:fillRect/>
+          </a:stretch>
+        </p:blipFill>
+        <p:spPr>
+          <a:xfrm rot="300964">
+            <a:off x="5181621" y="4417952"/>
+            <a:ext cx="1512570" cy="860579"/>
+          </a:xfrm>
+          <a:prstGeom prst="rect">
+            <a:avLst/>
+          </a:prstGeom>
+        </p:spPr>
+      </p:pic>
+      <p:pic>
+        <p:nvPicPr>
+          <p:cNvPr id="20" name="Grafik 19"/>
+          <p:cNvPicPr>
+            <a:picLocks noChangeAspect="1"/>
+          </p:cNvPicPr>
+          <p:nvPr/>
+        </p:nvPicPr>
+        <p:blipFill>
+          <a:blip r:embed="rId2" cstate="print">
+            <a:extLst>
+              <a:ext uri="{28A0092B-C50C-407E-A947-70E740481C1C}">
+                <a14:useLocalDpi xmlns:a14="http://schemas.microsoft.com/office/drawing/2010/main" val="0"/>
+              </a:ext>
+            </a:extLst>
+          </a:blip>
+          <a:stretch>
+            <a:fillRect/>
+          </a:stretch>
+        </p:blipFill>
+        <p:spPr>
+          <a:xfrm rot="767638">
+            <a:off x="1538376" y="3815616"/>
+            <a:ext cx="1512570" cy="860579"/>
+          </a:xfrm>
+          <a:prstGeom prst="rect">
+            <a:avLst/>
+          </a:prstGeom>
+        </p:spPr>
+      </p:pic>
+      <p:pic>
+        <p:nvPicPr>
+          <p:cNvPr id="21" name="Grafik 20"/>
+          <p:cNvPicPr>
+            <a:picLocks noChangeAspect="1"/>
+          </p:cNvPicPr>
+          <p:nvPr/>
+        </p:nvPicPr>
+        <p:blipFill>
+          <a:blip r:embed="rId2" cstate="print">
+            <a:extLst>
+              <a:ext uri="{28A0092B-C50C-407E-A947-70E740481C1C}">
+                <a14:useLocalDpi xmlns:a14="http://schemas.microsoft.com/office/drawing/2010/main" val="0"/>
+              </a:ext>
+            </a:extLst>
+          </a:blip>
+          <a:stretch>
+            <a:fillRect/>
+          </a:stretch>
+        </p:blipFill>
+        <p:spPr>
+          <a:xfrm rot="21000724">
+            <a:off x="7037012" y="5295407"/>
+            <a:ext cx="1512570" cy="860579"/>
+          </a:xfrm>
+          <a:prstGeom prst="rect">
+            <a:avLst/>
+          </a:prstGeom>
+        </p:spPr>
+      </p:pic>
+      <p:pic>
+        <p:nvPicPr>
+          <p:cNvPr id="22" name="Grafik 21"/>
+          <p:cNvPicPr>
+            <a:picLocks noChangeAspect="1"/>
+          </p:cNvPicPr>
+          <p:nvPr/>
+        </p:nvPicPr>
+        <p:blipFill>
+          <a:blip r:embed="rId2" cstate="print">
+            <a:extLst>
+              <a:ext uri="{28A0092B-C50C-407E-A947-70E740481C1C}">
+                <a14:useLocalDpi xmlns:a14="http://schemas.microsoft.com/office/drawing/2010/main" val="0"/>
+              </a:ext>
+            </a:extLst>
+          </a:blip>
+          <a:stretch>
+            <a:fillRect/>
+          </a:stretch>
+        </p:blipFill>
+        <p:spPr>
+          <a:xfrm rot="819406">
+            <a:off x="8547534" y="4317634"/>
+            <a:ext cx="1512570" cy="860579"/>
+          </a:xfrm>
+          <a:prstGeom prst="rect">
+            <a:avLst/>
+          </a:prstGeom>
+        </p:spPr>
+      </p:pic>
     </p:spTree>
     <p:extLst>
       <p:ext uri="{BB962C8B-B14F-4D97-AF65-F5344CB8AC3E}">
@@ -3833,73 +7216,16 @@
   <p:clrMapOvr>
     <a:masterClrMapping/>
   </p:clrMapOvr>
-</p:sld>
-</file>
-
-<file path=ppt/slides/slide8.xml><?xml version="1.0" encoding="utf-8"?>
-<p:sld xmlns:a="http://schemas.openxmlformats.org/drawingml/2006/main" xmlns:r="http://schemas.openxmlformats.org/officeDocument/2006/relationships" xmlns:p="http://schemas.openxmlformats.org/presentationml/2006/main">
-  <p:cSld>
-    <p:spTree>
-      <p:nvGrpSpPr>
-        <p:cNvPr id="1" name=""/>
-        <p:cNvGrpSpPr/>
-        <p:nvPr/>
-      </p:nvGrpSpPr>
-      <p:grpSpPr>
-        <a:xfrm>
-          <a:off x="0" y="0"/>
-          <a:ext cx="0" cy="0"/>
-          <a:chOff x="0" y="0"/>
-          <a:chExt cx="0" cy="0"/>
-        </a:xfrm>
-      </p:grpSpPr>
-      <p:sp>
-        <p:nvSpPr>
-          <p:cNvPr id="3" name="Inhaltsplatzhalter 2"/>
-          <p:cNvSpPr>
-            <a:spLocks noGrp="1"/>
-          </p:cNvSpPr>
-          <p:nvPr>
-            <p:ph idx="1"/>
-          </p:nvPr>
-        </p:nvSpPr>
-        <p:spPr>
-          <a:xfrm>
-            <a:off x="838200" y="3123998"/>
-            <a:ext cx="10515600" cy="610004"/>
-          </a:xfrm>
-        </p:spPr>
-        <p:txBody>
-          <a:bodyPr>
-            <a:normAutofit/>
-          </a:bodyPr>
-          <a:lstStyle/>
-          <a:p>
-            <a:pPr marL="0" indent="0" algn="ctr">
-              <a:buNone/>
-            </a:pPr>
-            <a:r>
-              <a:rPr lang="de-CH" sz="3600" b="1" dirty="0" smtClean="0">
-                <a:latin typeface="Lora" panose="00000500000000000000" pitchFamily="2" charset="0"/>
-              </a:rPr>
-              <a:t>Vielen Dank für Ihre Aufmerksamkeit</a:t>
-            </a:r>
-            <a:endParaRPr lang="de-CH" sz="3600" b="1" dirty="0">
-              <a:latin typeface="Lora" panose="00000500000000000000" pitchFamily="2" charset="0"/>
-            </a:endParaRPr>
-          </a:p>
-        </p:txBody>
-      </p:sp>
-    </p:spTree>
-    <p:extLst>
-      <p:ext uri="{BB962C8B-B14F-4D97-AF65-F5344CB8AC3E}">
-        <p14:creationId xmlns:p14="http://schemas.microsoft.com/office/powerpoint/2010/main" val="2120696673"/>
-      </p:ext>
-    </p:extLst>
-  </p:cSld>
-  <p:clrMapOvr>
-    <a:masterClrMapping/>
-  </p:clrMapOvr>
+  <p:transition spd="slow">
+    <p:wipe/>
+  </p:transition>
+  <p:timing>
+    <p:tnLst>
+      <p:par>
+        <p:cTn id="1" dur="indefinite" restart="never" nodeType="tmRoot"/>
+      </p:par>
+    </p:tnLst>
+  </p:timing>
 </p:sld>
 </file>
 
